--- a/Presentation/게임데이터 분석 2조 KPI.pptx
+++ b/Presentation/게임데이터 분석 2조 KPI.pptx
@@ -1,24 +1,26 @@
 
 <file path=ppt/presentation.xml><?xml version="1.0" encoding="utf-8"?>
-<p:presentation xmlns:a="http://schemas.openxmlformats.org/drawingml/2006/main" xmlns:r="http://schemas.openxmlformats.org/officeDocument/2006/relationships" xmlns:p="http://schemas.openxmlformats.org/presentationml/2006/main" saveSubsetFonts="1">
+<p:presentation xmlns:r="http://schemas.openxmlformats.org/officeDocument/2006/relationships" xmlns:c="http://schemas.openxmlformats.org/drawingml/2006/chart" xmlns:a="http://schemas.openxmlformats.org/drawingml/2006/main" xmlns:dgm="http://schemas.openxmlformats.org/drawingml/2006/diagram" xmlns:dsp="http://schemas.microsoft.com/office/drawing/2008/diagram" xmlns:p="http://schemas.openxmlformats.org/presentationml/2006/main">
   <p:sldMasterIdLst>
     <p:sldMasterId id="2147483648" r:id="rId1"/>
   </p:sldMasterIdLst>
   <p:notesMasterIdLst>
-    <p:notesMasterId r:id="rId13"/>
+    <p:notesMasterId r:id="rId2"/>
   </p:notesMasterIdLst>
   <p:sldIdLst>
-    <p:sldId id="256" r:id="rId2"/>
-    <p:sldId id="262" r:id="rId3"/>
-    <p:sldId id="264" r:id="rId4"/>
-    <p:sldId id="266" r:id="rId5"/>
-    <p:sldId id="267" r:id="rId6"/>
-    <p:sldId id="268" r:id="rId7"/>
-    <p:sldId id="257" r:id="rId8"/>
-    <p:sldId id="258" r:id="rId9"/>
-    <p:sldId id="259" r:id="rId10"/>
-    <p:sldId id="260" r:id="rId11"/>
-    <p:sldId id="261" r:id="rId12"/>
+    <p:sldId id="256" r:id="rId3"/>
+    <p:sldId id="262" r:id="rId4"/>
+    <p:sldId id="264" r:id="rId5"/>
+    <p:sldId id="266" r:id="rId6"/>
+    <p:sldId id="267" r:id="rId7"/>
+    <p:sldId id="268" r:id="rId8"/>
+    <p:sldId id="257" r:id="rId9"/>
+    <p:sldId id="258" r:id="rId10"/>
+    <p:sldId id="270" r:id="rId11"/>
+    <p:sldId id="259" r:id="rId12"/>
+    <p:sldId id="271" r:id="rId13"/>
+    <p:sldId id="260" r:id="rId14"/>
+    <p:sldId id="261" r:id="rId15"/>
   </p:sldIdLst>
   <p:sldSz cx="12192000" cy="6858000"/>
   <p:notesSz cx="6858000" cy="9144000"/>
@@ -120,8 +122,1940 @@
 </p:presentation>
 </file>
 
+<file path=ppt/charts/chart1.xml><?xml version="1.0" encoding="utf-8"?>
+<c:chartSpace xmlns:c="http://schemas.openxmlformats.org/drawingml/2006/chart" xmlns:a="http://schemas.openxmlformats.org/drawingml/2006/main" xmlns:r="http://schemas.openxmlformats.org/officeDocument/2006/relationships" xmlns:c16r2="http://schemas.microsoft.com/office/drawing/2015/06/chart">
+  <c:date1904 val="0"/>
+  <c:lang val="ko-KR"/>
+  <c:roundedCorners val="0"/>
+  <mc:AlternateContent xmlns:mc="http://schemas.openxmlformats.org/markup-compatibility/2006">
+    <mc:Choice xmlns:c14="http://schemas.microsoft.com/office/drawing/2007/8/2/chart" Requires="c14">
+      <c14:style val="102"/>
+    </mc:Choice>
+    <mc:Fallback>
+      <c:style val="2"/>
+    </mc:Fallback>
+  </mc:AlternateContent>
+  <c:chart>
+    <c:title>
+      <c:tx>
+        <c:rich>
+          <a:bodyPr rot="0" spcFirstLastPara="1" vertOverflow="ellipsis" vert="horz" wrap="square" anchor="ctr" anchorCtr="1"/>
+          <a:lstStyle/>
+          <a:p>
+            <a:pPr>
+              <a:defRPr sz="1862" b="0" i="0" u="none" strike="noStrike" kern="1200" spc="0" baseline="0">
+                <a:solidFill>
+                  <a:schemeClr val="tx1">
+                    <a:lumMod val="65000"/>
+                    <a:lumOff val="35000"/>
+                  </a:schemeClr>
+                </a:solidFill>
+                <a:latin typeface="+mn-lt"/>
+                <a:ea typeface="+mn-ea"/>
+                <a:cs typeface="+mn-cs"/>
+              </a:defRPr>
+            </a:pPr>
+            <a:r>
+              <a:rPr lang="ko-KR" altLang="en-US" dirty="0"/>
+              <a:t>강화 성공 레벨 </a:t>
+            </a:r>
+            <a:r>
+              <a:rPr lang="en-US" altLang="ko-KR" sz="1600" dirty="0"/>
+              <a:t>(</a:t>
+            </a:r>
+            <a:r>
+              <a:rPr lang="ko-KR" altLang="en-US" sz="1600" dirty="0"/>
+              <a:t>단위 </a:t>
+            </a:r>
+            <a:r>
+              <a:rPr lang="en-US" altLang="ko-KR" sz="1600" dirty="0"/>
+              <a:t>: </a:t>
+            </a:r>
+            <a:r>
+              <a:rPr lang="ko-KR" altLang="en-US" sz="1600" dirty="0"/>
+              <a:t>명</a:t>
+            </a:r>
+            <a:r>
+              <a:rPr lang="en-US" altLang="ko-KR" sz="1600" dirty="0"/>
+              <a:t>)</a:t>
+            </a:r>
+          </a:p>
+        </c:rich>
+      </c:tx>
+      <c:overlay val="0"/>
+      <c:spPr>
+        <a:noFill/>
+        <a:ln>
+          <a:noFill/>
+        </a:ln>
+        <a:effectLst/>
+      </c:spPr>
+      <c:txPr>
+        <a:bodyPr rot="0" spcFirstLastPara="1" vertOverflow="ellipsis" vert="horz" wrap="square" anchor="ctr" anchorCtr="1"/>
+        <a:lstStyle/>
+        <a:p>
+          <a:pPr>
+            <a:defRPr sz="1862" b="0" i="0" u="none" strike="noStrike" kern="1200" spc="0" baseline="0">
+              <a:solidFill>
+                <a:schemeClr val="tx1">
+                  <a:lumMod val="65000"/>
+                  <a:lumOff val="35000"/>
+                </a:schemeClr>
+              </a:solidFill>
+              <a:latin typeface="+mn-lt"/>
+              <a:ea typeface="+mn-ea"/>
+              <a:cs typeface="+mn-cs"/>
+            </a:defRPr>
+          </a:pPr>
+          <a:endParaRPr lang="ko-KR"/>
+        </a:p>
+      </c:txPr>
+    </c:title>
+    <c:autoTitleDeleted val="0"/>
+    <c:plotArea>
+      <c:layout/>
+      <c:barChart>
+        <c:barDir val="col"/>
+        <c:grouping val="clustered"/>
+        <c:varyColors val="0"/>
+        <c:ser>
+          <c:idx val="0"/>
+          <c:order val="0"/>
+          <c:tx>
+            <c:strRef>
+              <c:f>Sheet1!$B$1</c:f>
+              <c:strCache>
+                <c:ptCount val="1"/>
+                <c:pt idx="0">
+                  <c:v>계열 1</c:v>
+                </c:pt>
+              </c:strCache>
+            </c:strRef>
+          </c:tx>
+          <c:spPr>
+            <a:solidFill>
+              <a:schemeClr val="accent1"/>
+            </a:solidFill>
+            <a:ln>
+              <a:noFill/>
+            </a:ln>
+            <a:effectLst/>
+          </c:spPr>
+          <c:invertIfNegative val="0"/>
+          <c:dLbls>
+            <c:spPr>
+              <a:noFill/>
+              <a:ln>
+                <a:noFill/>
+              </a:ln>
+              <a:effectLst/>
+            </c:spPr>
+            <c:txPr>
+              <a:bodyPr rot="0" spcFirstLastPara="1" vertOverflow="ellipsis" vert="horz" wrap="square" lIns="38100" tIns="19050" rIns="38100" bIns="19050" anchor="ctr" anchorCtr="1">
+                <a:spAutoFit/>
+              </a:bodyPr>
+              <a:lstStyle/>
+              <a:p>
+                <a:pPr>
+                  <a:defRPr sz="1197" b="0" i="0" u="none" strike="noStrike" kern="1200" baseline="0">
+                    <a:solidFill>
+                      <a:schemeClr val="tx1">
+                        <a:lumMod val="75000"/>
+                        <a:lumOff val="25000"/>
+                      </a:schemeClr>
+                    </a:solidFill>
+                    <a:latin typeface="+mn-lt"/>
+                    <a:ea typeface="+mn-ea"/>
+                    <a:cs typeface="+mn-cs"/>
+                  </a:defRPr>
+                </a:pPr>
+                <a:endParaRPr lang="ko-KR"/>
+              </a:p>
+            </c:txPr>
+            <c:showLegendKey val="0"/>
+            <c:showVal val="1"/>
+            <c:showCatName val="0"/>
+            <c:showSerName val="0"/>
+            <c:showPercent val="0"/>
+            <c:showBubbleSize val="0"/>
+            <c:showLeaderLines val="0"/>
+            <c:extLst>
+              <c:ext xmlns:c15="http://schemas.microsoft.com/office/drawing/2012/chart" uri="{CE6537A1-D6FC-4f65-9D91-7224C49458BB}">
+                <c15:showLeaderLines val="1"/>
+                <c15:leaderLines>
+                  <c:spPr>
+                    <a:ln w="9525" cap="flat" cmpd="sng" algn="ctr">
+                      <a:solidFill>
+                        <a:schemeClr val="tx1">
+                          <a:lumMod val="35000"/>
+                          <a:lumOff val="65000"/>
+                        </a:schemeClr>
+                      </a:solidFill>
+                      <a:round/>
+                    </a:ln>
+                    <a:effectLst/>
+                  </c:spPr>
+                </c15:leaderLines>
+              </c:ext>
+            </c:extLst>
+          </c:dLbls>
+          <c:cat>
+            <c:strRef>
+              <c:f>Sheet1!$A$2:$A$11</c:f>
+              <c:strCache>
+                <c:ptCount val="10"/>
+                <c:pt idx="0">
+                  <c:v>1단계</c:v>
+                </c:pt>
+                <c:pt idx="1">
+                  <c:v>2단계</c:v>
+                </c:pt>
+                <c:pt idx="2">
+                  <c:v>3단계</c:v>
+                </c:pt>
+                <c:pt idx="3">
+                  <c:v>4단계</c:v>
+                </c:pt>
+                <c:pt idx="4">
+                  <c:v>5단계</c:v>
+                </c:pt>
+                <c:pt idx="5">
+                  <c:v>6단계</c:v>
+                </c:pt>
+                <c:pt idx="6">
+                  <c:v>7단계</c:v>
+                </c:pt>
+                <c:pt idx="7">
+                  <c:v>8단계</c:v>
+                </c:pt>
+                <c:pt idx="8">
+                  <c:v>9단계</c:v>
+                </c:pt>
+                <c:pt idx="9">
+                  <c:v>10단계</c:v>
+                </c:pt>
+              </c:strCache>
+            </c:strRef>
+          </c:cat>
+          <c:val>
+            <c:numRef>
+              <c:f>Sheet1!$B$2:$B$11</c:f>
+              <c:numCache>
+                <c:formatCode>General</c:formatCode>
+                <c:ptCount val="10"/>
+                <c:pt idx="0">
+                  <c:v>169</c:v>
+                </c:pt>
+                <c:pt idx="1">
+                  <c:v>128</c:v>
+                </c:pt>
+                <c:pt idx="2">
+                  <c:v>162</c:v>
+                </c:pt>
+                <c:pt idx="3">
+                  <c:v>379</c:v>
+                </c:pt>
+                <c:pt idx="4">
+                  <c:v>259</c:v>
+                </c:pt>
+                <c:pt idx="5">
+                  <c:v>103</c:v>
+                </c:pt>
+                <c:pt idx="6">
+                  <c:v>22</c:v>
+                </c:pt>
+                <c:pt idx="7">
+                  <c:v>2</c:v>
+                </c:pt>
+                <c:pt idx="8">
+                  <c:v>0</c:v>
+                </c:pt>
+                <c:pt idx="9">
+                  <c:v>0</c:v>
+                </c:pt>
+              </c:numCache>
+            </c:numRef>
+          </c:val>
+          <c:extLst>
+            <c:ext xmlns:c16="http://schemas.microsoft.com/office/drawing/2014/chart" uri="{C3380CC4-5D6E-409C-BE32-E72D297353CC}">
+              <c16:uniqueId val="{00000000-221D-42A9-B326-9E59FFA00159}"/>
+            </c:ext>
+          </c:extLst>
+        </c:ser>
+        <c:dLbls>
+          <c:showLegendKey val="0"/>
+          <c:showVal val="0"/>
+          <c:showCatName val="0"/>
+          <c:showSerName val="0"/>
+          <c:showPercent val="0"/>
+          <c:showBubbleSize val="0"/>
+        </c:dLbls>
+        <c:gapWidth val="219"/>
+        <c:overlap val="-27"/>
+        <c:axId val="1047693199"/>
+        <c:axId val="1047694639"/>
+      </c:barChart>
+      <c:catAx>
+        <c:axId val="1047693199"/>
+        <c:scaling>
+          <c:orientation val="minMax"/>
+        </c:scaling>
+        <c:delete val="0"/>
+        <c:axPos val="b"/>
+        <c:numFmt formatCode="General" sourceLinked="1"/>
+        <c:majorTickMark val="none"/>
+        <c:minorTickMark val="none"/>
+        <c:tickLblPos val="nextTo"/>
+        <c:spPr>
+          <a:noFill/>
+          <a:ln w="9525" cap="flat" cmpd="sng" algn="ctr">
+            <a:solidFill>
+              <a:schemeClr val="tx1"/>
+            </a:solidFill>
+            <a:round/>
+          </a:ln>
+          <a:effectLst/>
+        </c:spPr>
+        <c:txPr>
+          <a:bodyPr rot="-60000000" spcFirstLastPara="1" vertOverflow="ellipsis" vert="horz" wrap="square" anchor="ctr" anchorCtr="1"/>
+          <a:lstStyle/>
+          <a:p>
+            <a:pPr>
+              <a:defRPr sz="1197" b="0" i="0" u="none" strike="noStrike" kern="1200" baseline="0">
+                <a:solidFill>
+                  <a:schemeClr val="tx1">
+                    <a:lumMod val="65000"/>
+                    <a:lumOff val="35000"/>
+                  </a:schemeClr>
+                </a:solidFill>
+                <a:latin typeface="+mn-lt"/>
+                <a:ea typeface="+mn-ea"/>
+                <a:cs typeface="+mn-cs"/>
+              </a:defRPr>
+            </a:pPr>
+            <a:endParaRPr lang="ko-KR"/>
+          </a:p>
+        </c:txPr>
+        <c:crossAx val="1047694639"/>
+        <c:crosses val="autoZero"/>
+        <c:auto val="1"/>
+        <c:lblAlgn val="ctr"/>
+        <c:lblOffset val="100"/>
+        <c:noMultiLvlLbl val="0"/>
+      </c:catAx>
+      <c:valAx>
+        <c:axId val="1047694639"/>
+        <c:scaling>
+          <c:orientation val="minMax"/>
+        </c:scaling>
+        <c:delete val="0"/>
+        <c:axPos val="l"/>
+        <c:majorGridlines>
+          <c:spPr>
+            <a:ln w="9525" cap="flat" cmpd="sng" algn="ctr">
+              <a:solidFill>
+                <a:schemeClr val="tx1">
+                  <a:lumMod val="15000"/>
+                  <a:lumOff val="85000"/>
+                </a:schemeClr>
+              </a:solidFill>
+              <a:round/>
+            </a:ln>
+            <a:effectLst/>
+          </c:spPr>
+        </c:majorGridlines>
+        <c:numFmt formatCode="General" sourceLinked="1"/>
+        <c:majorTickMark val="none"/>
+        <c:minorTickMark val="none"/>
+        <c:tickLblPos val="nextTo"/>
+        <c:spPr>
+          <a:noFill/>
+          <a:ln>
+            <a:solidFill>
+              <a:schemeClr val="tx1"/>
+            </a:solidFill>
+          </a:ln>
+          <a:effectLst/>
+        </c:spPr>
+        <c:txPr>
+          <a:bodyPr rot="-60000000" spcFirstLastPara="1" vertOverflow="ellipsis" vert="horz" wrap="square" anchor="ctr" anchorCtr="1"/>
+          <a:lstStyle/>
+          <a:p>
+            <a:pPr>
+              <a:defRPr sz="1197" b="0" i="0" u="none" strike="noStrike" kern="1200" baseline="0">
+                <a:solidFill>
+                  <a:schemeClr val="tx1">
+                    <a:lumMod val="65000"/>
+                    <a:lumOff val="35000"/>
+                  </a:schemeClr>
+                </a:solidFill>
+                <a:latin typeface="+mn-lt"/>
+                <a:ea typeface="+mn-ea"/>
+                <a:cs typeface="+mn-cs"/>
+              </a:defRPr>
+            </a:pPr>
+            <a:endParaRPr lang="ko-KR"/>
+          </a:p>
+        </c:txPr>
+        <c:crossAx val="1047693199"/>
+        <c:crosses val="autoZero"/>
+        <c:crossBetween val="between"/>
+      </c:valAx>
+      <c:spPr>
+        <a:noFill/>
+        <a:ln>
+          <a:noFill/>
+        </a:ln>
+        <a:effectLst/>
+      </c:spPr>
+    </c:plotArea>
+    <c:plotVisOnly val="1"/>
+    <c:dispBlanksAs val="gap"/>
+    <c:extLst>
+      <c:ext xmlns:c16r3="http://schemas.microsoft.com/office/drawing/2017/03/chart" uri="{56B9EC1D-385E-4148-901F-78D8002777C0}">
+        <c16r3:dataDisplayOptions16>
+          <c16r3:dispNaAsBlank val="1"/>
+        </c16r3:dataDisplayOptions16>
+      </c:ext>
+    </c:extLst>
+    <c:showDLblsOverMax val="0"/>
+  </c:chart>
+  <c:spPr>
+    <a:solidFill>
+      <a:schemeClr val="bg1"/>
+    </a:solidFill>
+    <a:ln>
+      <a:noFill/>
+    </a:ln>
+    <a:effectLst/>
+  </c:spPr>
+  <c:txPr>
+    <a:bodyPr/>
+    <a:lstStyle/>
+    <a:p>
+      <a:pPr>
+        <a:defRPr/>
+      </a:pPr>
+      <a:endParaRPr lang="ko-KR"/>
+    </a:p>
+  </c:txPr>
+  <c:externalData r:id="rId3">
+    <c:autoUpdate val="0"/>
+  </c:externalData>
+</c:chartSpace>
+</file>
+
+<file path=ppt/charts/chart2.xml><?xml version="1.0" encoding="utf-8"?>
+<c:chartSpace xmlns:c="http://schemas.openxmlformats.org/drawingml/2006/chart" xmlns:a="http://schemas.openxmlformats.org/drawingml/2006/main" xmlns:r="http://schemas.openxmlformats.org/officeDocument/2006/relationships" xmlns:c16r2="http://schemas.microsoft.com/office/drawing/2015/06/chart">
+  <c:date1904 val="0"/>
+  <c:lang val="ko-KR"/>
+  <c:roundedCorners val="0"/>
+  <mc:AlternateContent xmlns:mc="http://schemas.openxmlformats.org/markup-compatibility/2006">
+    <mc:Choice xmlns:c14="http://schemas.microsoft.com/office/drawing/2007/8/2/chart" Requires="c14">
+      <c14:style val="102"/>
+    </mc:Choice>
+    <mc:Fallback>
+      <c:style val="2"/>
+    </mc:Fallback>
+  </mc:AlternateContent>
+  <c:chart>
+    <c:title>
+      <c:tx>
+        <c:rich>
+          <a:bodyPr rot="0" spcFirstLastPara="1" vertOverflow="ellipsis" vert="horz" wrap="square" anchor="ctr" anchorCtr="1"/>
+          <a:lstStyle/>
+          <a:p>
+            <a:pPr>
+              <a:defRPr sz="1862" b="0" i="0" u="none" strike="noStrike" kern="1200" spc="0" baseline="0">
+                <a:solidFill>
+                  <a:schemeClr val="tx1">
+                    <a:lumMod val="65000"/>
+                    <a:lumOff val="35000"/>
+                  </a:schemeClr>
+                </a:solidFill>
+                <a:latin typeface="+mn-lt"/>
+                <a:ea typeface="+mn-ea"/>
+                <a:cs typeface="+mn-cs"/>
+              </a:defRPr>
+            </a:pPr>
+            <a:r>
+              <a:rPr lang="ko-KR" altLang="en-US" dirty="0"/>
+              <a:t>강화 성공 레벨 </a:t>
+            </a:r>
+            <a:r>
+              <a:rPr lang="en-US" altLang="ko-KR" sz="1600" dirty="0"/>
+              <a:t>(</a:t>
+            </a:r>
+            <a:r>
+              <a:rPr lang="ko-KR" altLang="en-US" sz="1600" dirty="0"/>
+              <a:t>단위 </a:t>
+            </a:r>
+            <a:r>
+              <a:rPr lang="en-US" altLang="ko-KR" sz="1600" dirty="0"/>
+              <a:t>: </a:t>
+            </a:r>
+            <a:r>
+              <a:rPr lang="ko-KR" altLang="en-US" sz="1600" dirty="0"/>
+              <a:t>명</a:t>
+            </a:r>
+            <a:r>
+              <a:rPr lang="en-US" altLang="ko-KR" sz="1600" dirty="0"/>
+              <a:t>)</a:t>
+            </a:r>
+          </a:p>
+        </c:rich>
+      </c:tx>
+      <c:overlay val="0"/>
+      <c:spPr>
+        <a:noFill/>
+        <a:ln>
+          <a:noFill/>
+        </a:ln>
+        <a:effectLst/>
+      </c:spPr>
+      <c:txPr>
+        <a:bodyPr rot="0" spcFirstLastPara="1" vertOverflow="ellipsis" vert="horz" wrap="square" anchor="ctr" anchorCtr="1"/>
+        <a:lstStyle/>
+        <a:p>
+          <a:pPr>
+            <a:defRPr sz="1862" b="0" i="0" u="none" strike="noStrike" kern="1200" spc="0" baseline="0">
+              <a:solidFill>
+                <a:schemeClr val="tx1">
+                  <a:lumMod val="65000"/>
+                  <a:lumOff val="35000"/>
+                </a:schemeClr>
+              </a:solidFill>
+              <a:latin typeface="+mn-lt"/>
+              <a:ea typeface="+mn-ea"/>
+              <a:cs typeface="+mn-cs"/>
+            </a:defRPr>
+          </a:pPr>
+          <a:endParaRPr lang="ko-KR"/>
+        </a:p>
+      </c:txPr>
+    </c:title>
+    <c:autoTitleDeleted val="0"/>
+    <c:plotArea>
+      <c:layout/>
+      <c:barChart>
+        <c:barDir val="col"/>
+        <c:grouping val="clustered"/>
+        <c:varyColors val="0"/>
+        <c:ser>
+          <c:idx val="0"/>
+          <c:order val="0"/>
+          <c:tx>
+            <c:strRef>
+              <c:f>Sheet1!$B$1</c:f>
+              <c:strCache>
+                <c:ptCount val="1"/>
+                <c:pt idx="0">
+                  <c:v>계열 1</c:v>
+                </c:pt>
+              </c:strCache>
+            </c:strRef>
+          </c:tx>
+          <c:spPr>
+            <a:solidFill>
+              <a:schemeClr val="accent1"/>
+            </a:solidFill>
+            <a:ln>
+              <a:noFill/>
+            </a:ln>
+            <a:effectLst/>
+          </c:spPr>
+          <c:invertIfNegative val="0"/>
+          <c:dLbls>
+            <c:spPr>
+              <a:noFill/>
+              <a:ln>
+                <a:noFill/>
+              </a:ln>
+              <a:effectLst/>
+            </c:spPr>
+            <c:txPr>
+              <a:bodyPr rot="0" spcFirstLastPara="1" vertOverflow="ellipsis" vert="horz" wrap="square" lIns="38100" tIns="19050" rIns="38100" bIns="19050" anchor="ctr" anchorCtr="1">
+                <a:spAutoFit/>
+              </a:bodyPr>
+              <a:lstStyle/>
+              <a:p>
+                <a:pPr>
+                  <a:defRPr sz="1197" b="0" i="0" u="none" strike="noStrike" kern="1200" baseline="0">
+                    <a:solidFill>
+                      <a:schemeClr val="tx1">
+                        <a:lumMod val="75000"/>
+                        <a:lumOff val="25000"/>
+                      </a:schemeClr>
+                    </a:solidFill>
+                    <a:latin typeface="+mn-lt"/>
+                    <a:ea typeface="+mn-ea"/>
+                    <a:cs typeface="+mn-cs"/>
+                  </a:defRPr>
+                </a:pPr>
+                <a:endParaRPr lang="ko-KR"/>
+              </a:p>
+            </c:txPr>
+            <c:showLegendKey val="0"/>
+            <c:showVal val="1"/>
+            <c:showCatName val="0"/>
+            <c:showSerName val="0"/>
+            <c:showPercent val="0"/>
+            <c:showBubbleSize val="0"/>
+            <c:showLeaderLines val="0"/>
+            <c:extLst>
+              <c:ext xmlns:c15="http://schemas.microsoft.com/office/drawing/2012/chart" uri="{CE6537A1-D6FC-4f65-9D91-7224C49458BB}">
+                <c15:showLeaderLines val="1"/>
+                <c15:leaderLines>
+                  <c:spPr>
+                    <a:ln w="9525" cap="flat" cmpd="sng" algn="ctr">
+                      <a:solidFill>
+                        <a:schemeClr val="tx1">
+                          <a:lumMod val="35000"/>
+                          <a:lumOff val="65000"/>
+                        </a:schemeClr>
+                      </a:solidFill>
+                      <a:round/>
+                    </a:ln>
+                    <a:effectLst/>
+                  </c:spPr>
+                </c15:leaderLines>
+              </c:ext>
+            </c:extLst>
+          </c:dLbls>
+          <c:cat>
+            <c:strRef>
+              <c:f>Sheet1!$A$2:$A$11</c:f>
+              <c:strCache>
+                <c:ptCount val="10"/>
+                <c:pt idx="0">
+                  <c:v>1단계</c:v>
+                </c:pt>
+                <c:pt idx="1">
+                  <c:v>2단계</c:v>
+                </c:pt>
+                <c:pt idx="2">
+                  <c:v>3단계</c:v>
+                </c:pt>
+                <c:pt idx="3">
+                  <c:v>4단계</c:v>
+                </c:pt>
+                <c:pt idx="4">
+                  <c:v>5단계</c:v>
+                </c:pt>
+                <c:pt idx="5">
+                  <c:v>6단계</c:v>
+                </c:pt>
+                <c:pt idx="6">
+                  <c:v>7단계</c:v>
+                </c:pt>
+                <c:pt idx="7">
+                  <c:v>8단계</c:v>
+                </c:pt>
+                <c:pt idx="8">
+                  <c:v>9단계</c:v>
+                </c:pt>
+                <c:pt idx="9">
+                  <c:v>10단계</c:v>
+                </c:pt>
+              </c:strCache>
+            </c:strRef>
+          </c:cat>
+          <c:val>
+            <c:numRef>
+              <c:f>Sheet1!$B$2:$B$11</c:f>
+              <c:numCache>
+                <c:formatCode>General</c:formatCode>
+                <c:ptCount val="10"/>
+                <c:pt idx="0">
+                  <c:v>244</c:v>
+                </c:pt>
+                <c:pt idx="1">
+                  <c:v>185</c:v>
+                </c:pt>
+                <c:pt idx="2">
+                  <c:v>221</c:v>
+                </c:pt>
+                <c:pt idx="3">
+                  <c:v>448</c:v>
+                </c:pt>
+                <c:pt idx="4">
+                  <c:v>309</c:v>
+                </c:pt>
+                <c:pt idx="5">
+                  <c:v>136</c:v>
+                </c:pt>
+                <c:pt idx="6">
+                  <c:v>39</c:v>
+                </c:pt>
+                <c:pt idx="7">
+                  <c:v>10</c:v>
+                </c:pt>
+                <c:pt idx="8">
+                  <c:v>3</c:v>
+                </c:pt>
+                <c:pt idx="9">
+                  <c:v>0</c:v>
+                </c:pt>
+              </c:numCache>
+            </c:numRef>
+          </c:val>
+          <c:extLst>
+            <c:ext xmlns:c16="http://schemas.microsoft.com/office/drawing/2014/chart" uri="{C3380CC4-5D6E-409C-BE32-E72D297353CC}">
+              <c16:uniqueId val="{00000000-221D-42A9-B326-9E59FFA00159}"/>
+            </c:ext>
+          </c:extLst>
+        </c:ser>
+        <c:dLbls>
+          <c:showLegendKey val="0"/>
+          <c:showVal val="0"/>
+          <c:showCatName val="0"/>
+          <c:showSerName val="0"/>
+          <c:showPercent val="0"/>
+          <c:showBubbleSize val="0"/>
+        </c:dLbls>
+        <c:gapWidth val="219"/>
+        <c:overlap val="-27"/>
+        <c:axId val="1047693199"/>
+        <c:axId val="1047694639"/>
+      </c:barChart>
+      <c:catAx>
+        <c:axId val="1047693199"/>
+        <c:scaling>
+          <c:orientation val="minMax"/>
+        </c:scaling>
+        <c:delete val="0"/>
+        <c:axPos val="b"/>
+        <c:numFmt formatCode="General" sourceLinked="1"/>
+        <c:majorTickMark val="none"/>
+        <c:minorTickMark val="none"/>
+        <c:tickLblPos val="nextTo"/>
+        <c:spPr>
+          <a:noFill/>
+          <a:ln w="9525" cap="flat" cmpd="sng" algn="ctr">
+            <a:solidFill>
+              <a:schemeClr val="tx1"/>
+            </a:solidFill>
+            <a:round/>
+          </a:ln>
+          <a:effectLst/>
+        </c:spPr>
+        <c:txPr>
+          <a:bodyPr rot="-60000000" spcFirstLastPara="1" vertOverflow="ellipsis" vert="horz" wrap="square" anchor="ctr" anchorCtr="1"/>
+          <a:lstStyle/>
+          <a:p>
+            <a:pPr>
+              <a:defRPr sz="1197" b="0" i="0" u="none" strike="noStrike" kern="1200" baseline="0">
+                <a:solidFill>
+                  <a:schemeClr val="tx1">
+                    <a:lumMod val="65000"/>
+                    <a:lumOff val="35000"/>
+                  </a:schemeClr>
+                </a:solidFill>
+                <a:latin typeface="+mn-lt"/>
+                <a:ea typeface="+mn-ea"/>
+                <a:cs typeface="+mn-cs"/>
+              </a:defRPr>
+            </a:pPr>
+            <a:endParaRPr lang="ko-KR"/>
+          </a:p>
+        </c:txPr>
+        <c:crossAx val="1047694639"/>
+        <c:crosses val="autoZero"/>
+        <c:auto val="1"/>
+        <c:lblAlgn val="ctr"/>
+        <c:lblOffset val="100"/>
+        <c:noMultiLvlLbl val="0"/>
+      </c:catAx>
+      <c:valAx>
+        <c:axId val="1047694639"/>
+        <c:scaling>
+          <c:orientation val="minMax"/>
+        </c:scaling>
+        <c:delete val="0"/>
+        <c:axPos val="l"/>
+        <c:majorGridlines>
+          <c:spPr>
+            <a:ln w="9525" cap="flat" cmpd="sng" algn="ctr">
+              <a:solidFill>
+                <a:schemeClr val="tx1">
+                  <a:lumMod val="15000"/>
+                  <a:lumOff val="85000"/>
+                </a:schemeClr>
+              </a:solidFill>
+              <a:round/>
+            </a:ln>
+            <a:effectLst/>
+          </c:spPr>
+        </c:majorGridlines>
+        <c:numFmt formatCode="General" sourceLinked="1"/>
+        <c:majorTickMark val="none"/>
+        <c:minorTickMark val="none"/>
+        <c:tickLblPos val="nextTo"/>
+        <c:spPr>
+          <a:noFill/>
+          <a:ln>
+            <a:solidFill>
+              <a:schemeClr val="tx1"/>
+            </a:solidFill>
+          </a:ln>
+          <a:effectLst/>
+        </c:spPr>
+        <c:txPr>
+          <a:bodyPr rot="-60000000" spcFirstLastPara="1" vertOverflow="ellipsis" vert="horz" wrap="square" anchor="ctr" anchorCtr="1"/>
+          <a:lstStyle/>
+          <a:p>
+            <a:pPr>
+              <a:defRPr sz="1197" b="0" i="0" u="none" strike="noStrike" kern="1200" baseline="0">
+                <a:solidFill>
+                  <a:schemeClr val="tx1">
+                    <a:lumMod val="65000"/>
+                    <a:lumOff val="35000"/>
+                  </a:schemeClr>
+                </a:solidFill>
+                <a:latin typeface="+mn-lt"/>
+                <a:ea typeface="+mn-ea"/>
+                <a:cs typeface="+mn-cs"/>
+              </a:defRPr>
+            </a:pPr>
+            <a:endParaRPr lang="ko-KR"/>
+          </a:p>
+        </c:txPr>
+        <c:crossAx val="1047693199"/>
+        <c:crosses val="autoZero"/>
+        <c:crossBetween val="between"/>
+      </c:valAx>
+      <c:spPr>
+        <a:noFill/>
+        <a:ln>
+          <a:noFill/>
+        </a:ln>
+        <a:effectLst/>
+      </c:spPr>
+    </c:plotArea>
+    <c:plotVisOnly val="1"/>
+    <c:dispBlanksAs val="gap"/>
+    <c:extLst>
+      <c:ext xmlns:c16r3="http://schemas.microsoft.com/office/drawing/2017/03/chart" uri="{56B9EC1D-385E-4148-901F-78D8002777C0}">
+        <c16r3:dataDisplayOptions16>
+          <c16r3:dispNaAsBlank val="1"/>
+        </c16r3:dataDisplayOptions16>
+      </c:ext>
+    </c:extLst>
+    <c:showDLblsOverMax val="0"/>
+  </c:chart>
+  <c:spPr>
+    <a:solidFill>
+      <a:schemeClr val="bg1"/>
+    </a:solidFill>
+    <a:ln>
+      <a:noFill/>
+    </a:ln>
+    <a:effectLst/>
+  </c:spPr>
+  <c:txPr>
+    <a:bodyPr/>
+    <a:lstStyle/>
+    <a:p>
+      <a:pPr>
+        <a:defRPr/>
+      </a:pPr>
+      <a:endParaRPr lang="ko-KR"/>
+    </a:p>
+  </c:txPr>
+  <c:externalData r:id="rId3">
+    <c:autoUpdate val="0"/>
+  </c:externalData>
+</c:chartSpace>
+</file>
+
+<file path=ppt/charts/colors1.xml><?xml version="1.0" encoding="utf-8"?>
+<cs:colorStyle xmlns:cs="http://schemas.microsoft.com/office/drawing/2012/chartStyle" xmlns:a="http://schemas.openxmlformats.org/drawingml/2006/main" meth="cycle" id="10">
+  <a:schemeClr val="accent1"/>
+  <a:schemeClr val="accent2"/>
+  <a:schemeClr val="accent3"/>
+  <a:schemeClr val="accent4"/>
+  <a:schemeClr val="accent5"/>
+  <a:schemeClr val="accent6"/>
+  <cs:variation/>
+  <cs:variation>
+    <a:lumMod val="60000"/>
+  </cs:variation>
+  <cs:variation>
+    <a:lumMod val="80000"/>
+    <a:lumOff val="20000"/>
+  </cs:variation>
+  <cs:variation>
+    <a:lumMod val="80000"/>
+  </cs:variation>
+  <cs:variation>
+    <a:lumMod val="60000"/>
+    <a:lumOff val="40000"/>
+  </cs:variation>
+  <cs:variation>
+    <a:lumMod val="50000"/>
+  </cs:variation>
+  <cs:variation>
+    <a:lumMod val="70000"/>
+    <a:lumOff val="30000"/>
+  </cs:variation>
+  <cs:variation>
+    <a:lumMod val="70000"/>
+  </cs:variation>
+  <cs:variation>
+    <a:lumMod val="50000"/>
+    <a:lumOff val="50000"/>
+  </cs:variation>
+</cs:colorStyle>
+</file>
+
+<file path=ppt/charts/colors2.xml><?xml version="1.0" encoding="utf-8"?>
+<cs:colorStyle xmlns:cs="http://schemas.microsoft.com/office/drawing/2012/chartStyle" xmlns:a="http://schemas.openxmlformats.org/drawingml/2006/main" meth="cycle" id="10">
+  <a:schemeClr val="accent1"/>
+  <a:schemeClr val="accent2"/>
+  <a:schemeClr val="accent3"/>
+  <a:schemeClr val="accent4"/>
+  <a:schemeClr val="accent5"/>
+  <a:schemeClr val="accent6"/>
+  <cs:variation/>
+  <cs:variation>
+    <a:lumMod val="60000"/>
+  </cs:variation>
+  <cs:variation>
+    <a:lumMod val="80000"/>
+    <a:lumOff val="20000"/>
+  </cs:variation>
+  <cs:variation>
+    <a:lumMod val="80000"/>
+  </cs:variation>
+  <cs:variation>
+    <a:lumMod val="60000"/>
+    <a:lumOff val="40000"/>
+  </cs:variation>
+  <cs:variation>
+    <a:lumMod val="50000"/>
+  </cs:variation>
+  <cs:variation>
+    <a:lumMod val="70000"/>
+    <a:lumOff val="30000"/>
+  </cs:variation>
+  <cs:variation>
+    <a:lumMod val="70000"/>
+  </cs:variation>
+  <cs:variation>
+    <a:lumMod val="50000"/>
+    <a:lumOff val="50000"/>
+  </cs:variation>
+</cs:colorStyle>
+</file>
+
+<file path=ppt/charts/style1.xml><?xml version="1.0" encoding="utf-8"?>
+<cs:chartStyle xmlns:cs="http://schemas.microsoft.com/office/drawing/2012/chartStyle" xmlns:a="http://schemas.openxmlformats.org/drawingml/2006/main" id="201">
+  <cs:axisTitle>
+    <cs:lnRef idx="0"/>
+    <cs:fillRef idx="0"/>
+    <cs:effectRef idx="0"/>
+    <cs:fontRef idx="minor">
+      <a:schemeClr val="tx1">
+        <a:lumMod val="65000"/>
+        <a:lumOff val="35000"/>
+      </a:schemeClr>
+    </cs:fontRef>
+    <cs:defRPr sz="1330" kern="1200"/>
+  </cs:axisTitle>
+  <cs:categoryAxis>
+    <cs:lnRef idx="0"/>
+    <cs:fillRef idx="0"/>
+    <cs:effectRef idx="0"/>
+    <cs:fontRef idx="minor">
+      <a:schemeClr val="tx1">
+        <a:lumMod val="65000"/>
+        <a:lumOff val="35000"/>
+      </a:schemeClr>
+    </cs:fontRef>
+    <cs:spPr>
+      <a:ln w="9525" cap="flat" cmpd="sng" algn="ctr">
+        <a:solidFill>
+          <a:schemeClr val="tx1">
+            <a:lumMod val="15000"/>
+            <a:lumOff val="85000"/>
+          </a:schemeClr>
+        </a:solidFill>
+        <a:round/>
+      </a:ln>
+    </cs:spPr>
+    <cs:defRPr sz="1197" kern="1200"/>
+  </cs:categoryAxis>
+  <cs:chartArea mods="allowNoFillOverride allowNoLineOverride">
+    <cs:lnRef idx="0"/>
+    <cs:fillRef idx="0"/>
+    <cs:effectRef idx="0"/>
+    <cs:fontRef idx="minor">
+      <a:schemeClr val="tx1"/>
+    </cs:fontRef>
+    <cs:spPr>
+      <a:solidFill>
+        <a:schemeClr val="bg1"/>
+      </a:solidFill>
+      <a:ln w="9525" cap="flat" cmpd="sng" algn="ctr">
+        <a:solidFill>
+          <a:schemeClr val="tx1">
+            <a:lumMod val="15000"/>
+            <a:lumOff val="85000"/>
+          </a:schemeClr>
+        </a:solidFill>
+        <a:round/>
+      </a:ln>
+    </cs:spPr>
+    <cs:defRPr sz="1330" kern="1200"/>
+  </cs:chartArea>
+  <cs:dataLabel>
+    <cs:lnRef idx="0"/>
+    <cs:fillRef idx="0"/>
+    <cs:effectRef idx="0"/>
+    <cs:fontRef idx="minor">
+      <a:schemeClr val="tx1">
+        <a:lumMod val="75000"/>
+        <a:lumOff val="25000"/>
+      </a:schemeClr>
+    </cs:fontRef>
+    <cs:defRPr sz="1197" kern="1200"/>
+  </cs:dataLabel>
+  <cs:dataLabelCallout>
+    <cs:lnRef idx="0"/>
+    <cs:fillRef idx="0"/>
+    <cs:effectRef idx="0"/>
+    <cs:fontRef idx="minor">
+      <a:schemeClr val="dk1">
+        <a:lumMod val="65000"/>
+        <a:lumOff val="35000"/>
+      </a:schemeClr>
+    </cs:fontRef>
+    <cs:spPr>
+      <a:solidFill>
+        <a:schemeClr val="lt1"/>
+      </a:solidFill>
+      <a:ln>
+        <a:solidFill>
+          <a:schemeClr val="dk1">
+            <a:lumMod val="25000"/>
+            <a:lumOff val="75000"/>
+          </a:schemeClr>
+        </a:solidFill>
+      </a:ln>
+    </cs:spPr>
+    <cs:defRPr sz="1197" kern="1200"/>
+    <cs:bodyPr rot="0" spcFirstLastPara="1" vertOverflow="clip" horzOverflow="clip" vert="horz" wrap="square" lIns="36576" tIns="18288" rIns="36576" bIns="18288" anchor="ctr" anchorCtr="1">
+      <a:spAutoFit/>
+    </cs:bodyPr>
+  </cs:dataLabelCallout>
+  <cs:dataPoint>
+    <cs:lnRef idx="0"/>
+    <cs:fillRef idx="1">
+      <cs:styleClr val="auto"/>
+    </cs:fillRef>
+    <cs:effectRef idx="0"/>
+    <cs:fontRef idx="minor">
+      <a:schemeClr val="tx1"/>
+    </cs:fontRef>
+  </cs:dataPoint>
+  <cs:dataPoint3D>
+    <cs:lnRef idx="0"/>
+    <cs:fillRef idx="1">
+      <cs:styleClr val="auto"/>
+    </cs:fillRef>
+    <cs:effectRef idx="0"/>
+    <cs:fontRef idx="minor">
+      <a:schemeClr val="tx1"/>
+    </cs:fontRef>
+  </cs:dataPoint3D>
+  <cs:dataPointLine>
+    <cs:lnRef idx="0">
+      <cs:styleClr val="auto"/>
+    </cs:lnRef>
+    <cs:fillRef idx="1"/>
+    <cs:effectRef idx="0"/>
+    <cs:fontRef idx="minor">
+      <a:schemeClr val="tx1"/>
+    </cs:fontRef>
+    <cs:spPr>
+      <a:ln w="28575" cap="rnd">
+        <a:solidFill>
+          <a:schemeClr val="phClr"/>
+        </a:solidFill>
+        <a:round/>
+      </a:ln>
+    </cs:spPr>
+  </cs:dataPointLine>
+  <cs:dataPointMarker>
+    <cs:lnRef idx="0">
+      <cs:styleClr val="auto"/>
+    </cs:lnRef>
+    <cs:fillRef idx="1">
+      <cs:styleClr val="auto"/>
+    </cs:fillRef>
+    <cs:effectRef idx="0"/>
+    <cs:fontRef idx="minor">
+      <a:schemeClr val="tx1"/>
+    </cs:fontRef>
+    <cs:spPr>
+      <a:ln w="9525">
+        <a:solidFill>
+          <a:schemeClr val="phClr"/>
+        </a:solidFill>
+      </a:ln>
+    </cs:spPr>
+  </cs:dataPointMarker>
+  <cs:dataPointMarkerLayout symbol="circle" size="5"/>
+  <cs:dataPointWireframe>
+    <cs:lnRef idx="0">
+      <cs:styleClr val="auto"/>
+    </cs:lnRef>
+    <cs:fillRef idx="1"/>
+    <cs:effectRef idx="0"/>
+    <cs:fontRef idx="minor">
+      <a:schemeClr val="tx1"/>
+    </cs:fontRef>
+    <cs:spPr>
+      <a:ln w="9525" cap="rnd">
+        <a:solidFill>
+          <a:schemeClr val="phClr"/>
+        </a:solidFill>
+        <a:round/>
+      </a:ln>
+    </cs:spPr>
+  </cs:dataPointWireframe>
+  <cs:dataTable>
+    <cs:lnRef idx="0"/>
+    <cs:fillRef idx="0"/>
+    <cs:effectRef idx="0"/>
+    <cs:fontRef idx="minor">
+      <a:schemeClr val="tx1">
+        <a:lumMod val="65000"/>
+        <a:lumOff val="35000"/>
+      </a:schemeClr>
+    </cs:fontRef>
+    <cs:spPr>
+      <a:noFill/>
+      <a:ln w="9525" cap="flat" cmpd="sng" algn="ctr">
+        <a:solidFill>
+          <a:schemeClr val="tx1">
+            <a:lumMod val="15000"/>
+            <a:lumOff val="85000"/>
+          </a:schemeClr>
+        </a:solidFill>
+        <a:round/>
+      </a:ln>
+    </cs:spPr>
+    <cs:defRPr sz="1197" kern="1200"/>
+  </cs:dataTable>
+  <cs:downBar>
+    <cs:lnRef idx="0"/>
+    <cs:fillRef idx="0"/>
+    <cs:effectRef idx="0"/>
+    <cs:fontRef idx="minor">
+      <a:schemeClr val="dk1"/>
+    </cs:fontRef>
+    <cs:spPr>
+      <a:solidFill>
+        <a:schemeClr val="dk1">
+          <a:lumMod val="65000"/>
+          <a:lumOff val="35000"/>
+        </a:schemeClr>
+      </a:solidFill>
+      <a:ln w="9525">
+        <a:solidFill>
+          <a:schemeClr val="tx1">
+            <a:lumMod val="65000"/>
+            <a:lumOff val="35000"/>
+          </a:schemeClr>
+        </a:solidFill>
+      </a:ln>
+    </cs:spPr>
+  </cs:downBar>
+  <cs:dropLine>
+    <cs:lnRef idx="0"/>
+    <cs:fillRef idx="0"/>
+    <cs:effectRef idx="0"/>
+    <cs:fontRef idx="minor">
+      <a:schemeClr val="tx1"/>
+    </cs:fontRef>
+    <cs:spPr>
+      <a:ln w="9525" cap="flat" cmpd="sng" algn="ctr">
+        <a:solidFill>
+          <a:schemeClr val="tx1">
+            <a:lumMod val="35000"/>
+            <a:lumOff val="65000"/>
+          </a:schemeClr>
+        </a:solidFill>
+        <a:round/>
+      </a:ln>
+    </cs:spPr>
+  </cs:dropLine>
+  <cs:errorBar>
+    <cs:lnRef idx="0"/>
+    <cs:fillRef idx="0"/>
+    <cs:effectRef idx="0"/>
+    <cs:fontRef idx="minor">
+      <a:schemeClr val="tx1"/>
+    </cs:fontRef>
+    <cs:spPr>
+      <a:ln w="9525" cap="flat" cmpd="sng" algn="ctr">
+        <a:solidFill>
+          <a:schemeClr val="tx1">
+            <a:lumMod val="65000"/>
+            <a:lumOff val="35000"/>
+          </a:schemeClr>
+        </a:solidFill>
+        <a:round/>
+      </a:ln>
+    </cs:spPr>
+  </cs:errorBar>
+  <cs:floor>
+    <cs:lnRef idx="0"/>
+    <cs:fillRef idx="0"/>
+    <cs:effectRef idx="0"/>
+    <cs:fontRef idx="minor">
+      <a:schemeClr val="tx1"/>
+    </cs:fontRef>
+    <cs:spPr>
+      <a:noFill/>
+      <a:ln>
+        <a:noFill/>
+      </a:ln>
+    </cs:spPr>
+  </cs:floor>
+  <cs:gridlineMajor>
+    <cs:lnRef idx="0"/>
+    <cs:fillRef idx="0"/>
+    <cs:effectRef idx="0"/>
+    <cs:fontRef idx="minor">
+      <a:schemeClr val="tx1"/>
+    </cs:fontRef>
+    <cs:spPr>
+      <a:ln w="9525" cap="flat" cmpd="sng" algn="ctr">
+        <a:solidFill>
+          <a:schemeClr val="tx1">
+            <a:lumMod val="15000"/>
+            <a:lumOff val="85000"/>
+          </a:schemeClr>
+        </a:solidFill>
+        <a:round/>
+      </a:ln>
+    </cs:spPr>
+  </cs:gridlineMajor>
+  <cs:gridlineMinor>
+    <cs:lnRef idx="0"/>
+    <cs:fillRef idx="0"/>
+    <cs:effectRef idx="0"/>
+    <cs:fontRef idx="minor">
+      <a:schemeClr val="tx1"/>
+    </cs:fontRef>
+    <cs:spPr>
+      <a:ln w="9525" cap="flat" cmpd="sng" algn="ctr">
+        <a:solidFill>
+          <a:schemeClr val="tx1">
+            <a:lumMod val="5000"/>
+            <a:lumOff val="95000"/>
+          </a:schemeClr>
+        </a:solidFill>
+        <a:round/>
+      </a:ln>
+    </cs:spPr>
+  </cs:gridlineMinor>
+  <cs:hiLoLine>
+    <cs:lnRef idx="0"/>
+    <cs:fillRef idx="0"/>
+    <cs:effectRef idx="0"/>
+    <cs:fontRef idx="minor">
+      <a:schemeClr val="tx1"/>
+    </cs:fontRef>
+    <cs:spPr>
+      <a:ln w="9525" cap="flat" cmpd="sng" algn="ctr">
+        <a:solidFill>
+          <a:schemeClr val="tx1">
+            <a:lumMod val="75000"/>
+            <a:lumOff val="25000"/>
+          </a:schemeClr>
+        </a:solidFill>
+        <a:round/>
+      </a:ln>
+    </cs:spPr>
+  </cs:hiLoLine>
+  <cs:leaderLine>
+    <cs:lnRef idx="0"/>
+    <cs:fillRef idx="0"/>
+    <cs:effectRef idx="0"/>
+    <cs:fontRef idx="minor">
+      <a:schemeClr val="tx1"/>
+    </cs:fontRef>
+    <cs:spPr>
+      <a:ln w="9525" cap="flat" cmpd="sng" algn="ctr">
+        <a:solidFill>
+          <a:schemeClr val="tx1">
+            <a:lumMod val="35000"/>
+            <a:lumOff val="65000"/>
+          </a:schemeClr>
+        </a:solidFill>
+        <a:round/>
+      </a:ln>
+    </cs:spPr>
+  </cs:leaderLine>
+  <cs:legend>
+    <cs:lnRef idx="0"/>
+    <cs:fillRef idx="0"/>
+    <cs:effectRef idx="0"/>
+    <cs:fontRef idx="minor">
+      <a:schemeClr val="tx1">
+        <a:lumMod val="65000"/>
+        <a:lumOff val="35000"/>
+      </a:schemeClr>
+    </cs:fontRef>
+    <cs:defRPr sz="1197" kern="1200"/>
+  </cs:legend>
+  <cs:plotArea mods="allowNoFillOverride allowNoLineOverride">
+    <cs:lnRef idx="0"/>
+    <cs:fillRef idx="0"/>
+    <cs:effectRef idx="0"/>
+    <cs:fontRef idx="minor">
+      <a:schemeClr val="tx1"/>
+    </cs:fontRef>
+  </cs:plotArea>
+  <cs:plotArea3D mods="allowNoFillOverride allowNoLineOverride">
+    <cs:lnRef idx="0"/>
+    <cs:fillRef idx="0"/>
+    <cs:effectRef idx="0"/>
+    <cs:fontRef idx="minor">
+      <a:schemeClr val="tx1"/>
+    </cs:fontRef>
+  </cs:plotArea3D>
+  <cs:seriesAxis>
+    <cs:lnRef idx="0"/>
+    <cs:fillRef idx="0"/>
+    <cs:effectRef idx="0"/>
+    <cs:fontRef idx="minor">
+      <a:schemeClr val="tx1">
+        <a:lumMod val="65000"/>
+        <a:lumOff val="35000"/>
+      </a:schemeClr>
+    </cs:fontRef>
+    <cs:defRPr sz="1197" kern="1200"/>
+  </cs:seriesAxis>
+  <cs:seriesLine>
+    <cs:lnRef idx="0"/>
+    <cs:fillRef idx="0"/>
+    <cs:effectRef idx="0"/>
+    <cs:fontRef idx="minor">
+      <a:schemeClr val="tx1"/>
+    </cs:fontRef>
+    <cs:spPr>
+      <a:ln w="9525" cap="flat" cmpd="sng" algn="ctr">
+        <a:solidFill>
+          <a:schemeClr val="tx1">
+            <a:lumMod val="35000"/>
+            <a:lumOff val="65000"/>
+          </a:schemeClr>
+        </a:solidFill>
+        <a:round/>
+      </a:ln>
+    </cs:spPr>
+  </cs:seriesLine>
+  <cs:title>
+    <cs:lnRef idx="0"/>
+    <cs:fillRef idx="0"/>
+    <cs:effectRef idx="0"/>
+    <cs:fontRef idx="minor">
+      <a:schemeClr val="tx1">
+        <a:lumMod val="65000"/>
+        <a:lumOff val="35000"/>
+      </a:schemeClr>
+    </cs:fontRef>
+    <cs:defRPr sz="1862" b="0" kern="1200" spc="0" baseline="0"/>
+  </cs:title>
+  <cs:trendline>
+    <cs:lnRef idx="0">
+      <cs:styleClr val="auto"/>
+    </cs:lnRef>
+    <cs:fillRef idx="0"/>
+    <cs:effectRef idx="0"/>
+    <cs:fontRef idx="minor">
+      <a:schemeClr val="tx1"/>
+    </cs:fontRef>
+    <cs:spPr>
+      <a:ln w="19050" cap="rnd">
+        <a:solidFill>
+          <a:schemeClr val="phClr"/>
+        </a:solidFill>
+        <a:prstDash val="sysDot"/>
+      </a:ln>
+    </cs:spPr>
+  </cs:trendline>
+  <cs:trendlineLabel>
+    <cs:lnRef idx="0"/>
+    <cs:fillRef idx="0"/>
+    <cs:effectRef idx="0"/>
+    <cs:fontRef idx="minor">
+      <a:schemeClr val="tx1">
+        <a:lumMod val="65000"/>
+        <a:lumOff val="35000"/>
+      </a:schemeClr>
+    </cs:fontRef>
+    <cs:defRPr sz="1197" kern="1200"/>
+  </cs:trendlineLabel>
+  <cs:upBar>
+    <cs:lnRef idx="0"/>
+    <cs:fillRef idx="0"/>
+    <cs:effectRef idx="0"/>
+    <cs:fontRef idx="minor">
+      <a:schemeClr val="dk1"/>
+    </cs:fontRef>
+    <cs:spPr>
+      <a:solidFill>
+        <a:schemeClr val="lt1"/>
+      </a:solidFill>
+      <a:ln w="9525">
+        <a:solidFill>
+          <a:schemeClr val="tx1">
+            <a:lumMod val="15000"/>
+            <a:lumOff val="85000"/>
+          </a:schemeClr>
+        </a:solidFill>
+      </a:ln>
+    </cs:spPr>
+  </cs:upBar>
+  <cs:valueAxis>
+    <cs:lnRef idx="0"/>
+    <cs:fillRef idx="0"/>
+    <cs:effectRef idx="0"/>
+    <cs:fontRef idx="minor">
+      <a:schemeClr val="tx1">
+        <a:lumMod val="65000"/>
+        <a:lumOff val="35000"/>
+      </a:schemeClr>
+    </cs:fontRef>
+    <cs:defRPr sz="1197" kern="1200"/>
+  </cs:valueAxis>
+  <cs:wall>
+    <cs:lnRef idx="0"/>
+    <cs:fillRef idx="0"/>
+    <cs:effectRef idx="0"/>
+    <cs:fontRef idx="minor">
+      <a:schemeClr val="tx1"/>
+    </cs:fontRef>
+    <cs:spPr>
+      <a:noFill/>
+      <a:ln>
+        <a:noFill/>
+      </a:ln>
+    </cs:spPr>
+  </cs:wall>
+</cs:chartStyle>
+</file>
+
+<file path=ppt/charts/style2.xml><?xml version="1.0" encoding="utf-8"?>
+<cs:chartStyle xmlns:cs="http://schemas.microsoft.com/office/drawing/2012/chartStyle" xmlns:a="http://schemas.openxmlformats.org/drawingml/2006/main" id="201">
+  <cs:axisTitle>
+    <cs:lnRef idx="0"/>
+    <cs:fillRef idx="0"/>
+    <cs:effectRef idx="0"/>
+    <cs:fontRef idx="minor">
+      <a:schemeClr val="tx1">
+        <a:lumMod val="65000"/>
+        <a:lumOff val="35000"/>
+      </a:schemeClr>
+    </cs:fontRef>
+    <cs:defRPr sz="1330" kern="1200"/>
+  </cs:axisTitle>
+  <cs:categoryAxis>
+    <cs:lnRef idx="0"/>
+    <cs:fillRef idx="0"/>
+    <cs:effectRef idx="0"/>
+    <cs:fontRef idx="minor">
+      <a:schemeClr val="tx1">
+        <a:lumMod val="65000"/>
+        <a:lumOff val="35000"/>
+      </a:schemeClr>
+    </cs:fontRef>
+    <cs:spPr>
+      <a:ln w="9525" cap="flat" cmpd="sng" algn="ctr">
+        <a:solidFill>
+          <a:schemeClr val="tx1">
+            <a:lumMod val="15000"/>
+            <a:lumOff val="85000"/>
+          </a:schemeClr>
+        </a:solidFill>
+        <a:round/>
+      </a:ln>
+    </cs:spPr>
+    <cs:defRPr sz="1197" kern="1200"/>
+  </cs:categoryAxis>
+  <cs:chartArea mods="allowNoFillOverride allowNoLineOverride">
+    <cs:lnRef idx="0"/>
+    <cs:fillRef idx="0"/>
+    <cs:effectRef idx="0"/>
+    <cs:fontRef idx="minor">
+      <a:schemeClr val="tx1"/>
+    </cs:fontRef>
+    <cs:spPr>
+      <a:solidFill>
+        <a:schemeClr val="bg1"/>
+      </a:solidFill>
+      <a:ln w="9525" cap="flat" cmpd="sng" algn="ctr">
+        <a:solidFill>
+          <a:schemeClr val="tx1">
+            <a:lumMod val="15000"/>
+            <a:lumOff val="85000"/>
+          </a:schemeClr>
+        </a:solidFill>
+        <a:round/>
+      </a:ln>
+    </cs:spPr>
+    <cs:defRPr sz="1330" kern="1200"/>
+  </cs:chartArea>
+  <cs:dataLabel>
+    <cs:lnRef idx="0"/>
+    <cs:fillRef idx="0"/>
+    <cs:effectRef idx="0"/>
+    <cs:fontRef idx="minor">
+      <a:schemeClr val="tx1">
+        <a:lumMod val="75000"/>
+        <a:lumOff val="25000"/>
+      </a:schemeClr>
+    </cs:fontRef>
+    <cs:defRPr sz="1197" kern="1200"/>
+  </cs:dataLabel>
+  <cs:dataLabelCallout>
+    <cs:lnRef idx="0"/>
+    <cs:fillRef idx="0"/>
+    <cs:effectRef idx="0"/>
+    <cs:fontRef idx="minor">
+      <a:schemeClr val="dk1">
+        <a:lumMod val="65000"/>
+        <a:lumOff val="35000"/>
+      </a:schemeClr>
+    </cs:fontRef>
+    <cs:spPr>
+      <a:solidFill>
+        <a:schemeClr val="lt1"/>
+      </a:solidFill>
+      <a:ln>
+        <a:solidFill>
+          <a:schemeClr val="dk1">
+            <a:lumMod val="25000"/>
+            <a:lumOff val="75000"/>
+          </a:schemeClr>
+        </a:solidFill>
+      </a:ln>
+    </cs:spPr>
+    <cs:defRPr sz="1197" kern="1200"/>
+    <cs:bodyPr rot="0" spcFirstLastPara="1" vertOverflow="clip" horzOverflow="clip" vert="horz" wrap="square" lIns="36576" tIns="18288" rIns="36576" bIns="18288" anchor="ctr" anchorCtr="1">
+      <a:spAutoFit/>
+    </cs:bodyPr>
+  </cs:dataLabelCallout>
+  <cs:dataPoint>
+    <cs:lnRef idx="0"/>
+    <cs:fillRef idx="1">
+      <cs:styleClr val="auto"/>
+    </cs:fillRef>
+    <cs:effectRef idx="0"/>
+    <cs:fontRef idx="minor">
+      <a:schemeClr val="tx1"/>
+    </cs:fontRef>
+  </cs:dataPoint>
+  <cs:dataPoint3D>
+    <cs:lnRef idx="0"/>
+    <cs:fillRef idx="1">
+      <cs:styleClr val="auto"/>
+    </cs:fillRef>
+    <cs:effectRef idx="0"/>
+    <cs:fontRef idx="minor">
+      <a:schemeClr val="tx1"/>
+    </cs:fontRef>
+  </cs:dataPoint3D>
+  <cs:dataPointLine>
+    <cs:lnRef idx="0">
+      <cs:styleClr val="auto"/>
+    </cs:lnRef>
+    <cs:fillRef idx="1"/>
+    <cs:effectRef idx="0"/>
+    <cs:fontRef idx="minor">
+      <a:schemeClr val="tx1"/>
+    </cs:fontRef>
+    <cs:spPr>
+      <a:ln w="28575" cap="rnd">
+        <a:solidFill>
+          <a:schemeClr val="phClr"/>
+        </a:solidFill>
+        <a:round/>
+      </a:ln>
+    </cs:spPr>
+  </cs:dataPointLine>
+  <cs:dataPointMarker>
+    <cs:lnRef idx="0">
+      <cs:styleClr val="auto"/>
+    </cs:lnRef>
+    <cs:fillRef idx="1">
+      <cs:styleClr val="auto"/>
+    </cs:fillRef>
+    <cs:effectRef idx="0"/>
+    <cs:fontRef idx="minor">
+      <a:schemeClr val="tx1"/>
+    </cs:fontRef>
+    <cs:spPr>
+      <a:ln w="9525">
+        <a:solidFill>
+          <a:schemeClr val="phClr"/>
+        </a:solidFill>
+      </a:ln>
+    </cs:spPr>
+  </cs:dataPointMarker>
+  <cs:dataPointMarkerLayout symbol="circle" size="5"/>
+  <cs:dataPointWireframe>
+    <cs:lnRef idx="0">
+      <cs:styleClr val="auto"/>
+    </cs:lnRef>
+    <cs:fillRef idx="1"/>
+    <cs:effectRef idx="0"/>
+    <cs:fontRef idx="minor">
+      <a:schemeClr val="tx1"/>
+    </cs:fontRef>
+    <cs:spPr>
+      <a:ln w="9525" cap="rnd">
+        <a:solidFill>
+          <a:schemeClr val="phClr"/>
+        </a:solidFill>
+        <a:round/>
+      </a:ln>
+    </cs:spPr>
+  </cs:dataPointWireframe>
+  <cs:dataTable>
+    <cs:lnRef idx="0"/>
+    <cs:fillRef idx="0"/>
+    <cs:effectRef idx="0"/>
+    <cs:fontRef idx="minor">
+      <a:schemeClr val="tx1">
+        <a:lumMod val="65000"/>
+        <a:lumOff val="35000"/>
+      </a:schemeClr>
+    </cs:fontRef>
+    <cs:spPr>
+      <a:noFill/>
+      <a:ln w="9525" cap="flat" cmpd="sng" algn="ctr">
+        <a:solidFill>
+          <a:schemeClr val="tx1">
+            <a:lumMod val="15000"/>
+            <a:lumOff val="85000"/>
+          </a:schemeClr>
+        </a:solidFill>
+        <a:round/>
+      </a:ln>
+    </cs:spPr>
+    <cs:defRPr sz="1197" kern="1200"/>
+  </cs:dataTable>
+  <cs:downBar>
+    <cs:lnRef idx="0"/>
+    <cs:fillRef idx="0"/>
+    <cs:effectRef idx="0"/>
+    <cs:fontRef idx="minor">
+      <a:schemeClr val="dk1"/>
+    </cs:fontRef>
+    <cs:spPr>
+      <a:solidFill>
+        <a:schemeClr val="dk1">
+          <a:lumMod val="65000"/>
+          <a:lumOff val="35000"/>
+        </a:schemeClr>
+      </a:solidFill>
+      <a:ln w="9525">
+        <a:solidFill>
+          <a:schemeClr val="tx1">
+            <a:lumMod val="65000"/>
+            <a:lumOff val="35000"/>
+          </a:schemeClr>
+        </a:solidFill>
+      </a:ln>
+    </cs:spPr>
+  </cs:downBar>
+  <cs:dropLine>
+    <cs:lnRef idx="0"/>
+    <cs:fillRef idx="0"/>
+    <cs:effectRef idx="0"/>
+    <cs:fontRef idx="minor">
+      <a:schemeClr val="tx1"/>
+    </cs:fontRef>
+    <cs:spPr>
+      <a:ln w="9525" cap="flat" cmpd="sng" algn="ctr">
+        <a:solidFill>
+          <a:schemeClr val="tx1">
+            <a:lumMod val="35000"/>
+            <a:lumOff val="65000"/>
+          </a:schemeClr>
+        </a:solidFill>
+        <a:round/>
+      </a:ln>
+    </cs:spPr>
+  </cs:dropLine>
+  <cs:errorBar>
+    <cs:lnRef idx="0"/>
+    <cs:fillRef idx="0"/>
+    <cs:effectRef idx="0"/>
+    <cs:fontRef idx="minor">
+      <a:schemeClr val="tx1"/>
+    </cs:fontRef>
+    <cs:spPr>
+      <a:ln w="9525" cap="flat" cmpd="sng" algn="ctr">
+        <a:solidFill>
+          <a:schemeClr val="tx1">
+            <a:lumMod val="65000"/>
+            <a:lumOff val="35000"/>
+          </a:schemeClr>
+        </a:solidFill>
+        <a:round/>
+      </a:ln>
+    </cs:spPr>
+  </cs:errorBar>
+  <cs:floor>
+    <cs:lnRef idx="0"/>
+    <cs:fillRef idx="0"/>
+    <cs:effectRef idx="0"/>
+    <cs:fontRef idx="minor">
+      <a:schemeClr val="tx1"/>
+    </cs:fontRef>
+    <cs:spPr>
+      <a:noFill/>
+      <a:ln>
+        <a:noFill/>
+      </a:ln>
+    </cs:spPr>
+  </cs:floor>
+  <cs:gridlineMajor>
+    <cs:lnRef idx="0"/>
+    <cs:fillRef idx="0"/>
+    <cs:effectRef idx="0"/>
+    <cs:fontRef idx="minor">
+      <a:schemeClr val="tx1"/>
+    </cs:fontRef>
+    <cs:spPr>
+      <a:ln w="9525" cap="flat" cmpd="sng" algn="ctr">
+        <a:solidFill>
+          <a:schemeClr val="tx1">
+            <a:lumMod val="15000"/>
+            <a:lumOff val="85000"/>
+          </a:schemeClr>
+        </a:solidFill>
+        <a:round/>
+      </a:ln>
+    </cs:spPr>
+  </cs:gridlineMajor>
+  <cs:gridlineMinor>
+    <cs:lnRef idx="0"/>
+    <cs:fillRef idx="0"/>
+    <cs:effectRef idx="0"/>
+    <cs:fontRef idx="minor">
+      <a:schemeClr val="tx1"/>
+    </cs:fontRef>
+    <cs:spPr>
+      <a:ln w="9525" cap="flat" cmpd="sng" algn="ctr">
+        <a:solidFill>
+          <a:schemeClr val="tx1">
+            <a:lumMod val="5000"/>
+            <a:lumOff val="95000"/>
+          </a:schemeClr>
+        </a:solidFill>
+        <a:round/>
+      </a:ln>
+    </cs:spPr>
+  </cs:gridlineMinor>
+  <cs:hiLoLine>
+    <cs:lnRef idx="0"/>
+    <cs:fillRef idx="0"/>
+    <cs:effectRef idx="0"/>
+    <cs:fontRef idx="minor">
+      <a:schemeClr val="tx1"/>
+    </cs:fontRef>
+    <cs:spPr>
+      <a:ln w="9525" cap="flat" cmpd="sng" algn="ctr">
+        <a:solidFill>
+          <a:schemeClr val="tx1">
+            <a:lumMod val="75000"/>
+            <a:lumOff val="25000"/>
+          </a:schemeClr>
+        </a:solidFill>
+        <a:round/>
+      </a:ln>
+    </cs:spPr>
+  </cs:hiLoLine>
+  <cs:leaderLine>
+    <cs:lnRef idx="0"/>
+    <cs:fillRef idx="0"/>
+    <cs:effectRef idx="0"/>
+    <cs:fontRef idx="minor">
+      <a:schemeClr val="tx1"/>
+    </cs:fontRef>
+    <cs:spPr>
+      <a:ln w="9525" cap="flat" cmpd="sng" algn="ctr">
+        <a:solidFill>
+          <a:schemeClr val="tx1">
+            <a:lumMod val="35000"/>
+            <a:lumOff val="65000"/>
+          </a:schemeClr>
+        </a:solidFill>
+        <a:round/>
+      </a:ln>
+    </cs:spPr>
+  </cs:leaderLine>
+  <cs:legend>
+    <cs:lnRef idx="0"/>
+    <cs:fillRef idx="0"/>
+    <cs:effectRef idx="0"/>
+    <cs:fontRef idx="minor">
+      <a:schemeClr val="tx1">
+        <a:lumMod val="65000"/>
+        <a:lumOff val="35000"/>
+      </a:schemeClr>
+    </cs:fontRef>
+    <cs:defRPr sz="1197" kern="1200"/>
+  </cs:legend>
+  <cs:plotArea mods="allowNoFillOverride allowNoLineOverride">
+    <cs:lnRef idx="0"/>
+    <cs:fillRef idx="0"/>
+    <cs:effectRef idx="0"/>
+    <cs:fontRef idx="minor">
+      <a:schemeClr val="tx1"/>
+    </cs:fontRef>
+  </cs:plotArea>
+  <cs:plotArea3D mods="allowNoFillOverride allowNoLineOverride">
+    <cs:lnRef idx="0"/>
+    <cs:fillRef idx="0"/>
+    <cs:effectRef idx="0"/>
+    <cs:fontRef idx="minor">
+      <a:schemeClr val="tx1"/>
+    </cs:fontRef>
+  </cs:plotArea3D>
+  <cs:seriesAxis>
+    <cs:lnRef idx="0"/>
+    <cs:fillRef idx="0"/>
+    <cs:effectRef idx="0"/>
+    <cs:fontRef idx="minor">
+      <a:schemeClr val="tx1">
+        <a:lumMod val="65000"/>
+        <a:lumOff val="35000"/>
+      </a:schemeClr>
+    </cs:fontRef>
+    <cs:defRPr sz="1197" kern="1200"/>
+  </cs:seriesAxis>
+  <cs:seriesLine>
+    <cs:lnRef idx="0"/>
+    <cs:fillRef idx="0"/>
+    <cs:effectRef idx="0"/>
+    <cs:fontRef idx="minor">
+      <a:schemeClr val="tx1"/>
+    </cs:fontRef>
+    <cs:spPr>
+      <a:ln w="9525" cap="flat" cmpd="sng" algn="ctr">
+        <a:solidFill>
+          <a:schemeClr val="tx1">
+            <a:lumMod val="35000"/>
+            <a:lumOff val="65000"/>
+          </a:schemeClr>
+        </a:solidFill>
+        <a:round/>
+      </a:ln>
+    </cs:spPr>
+  </cs:seriesLine>
+  <cs:title>
+    <cs:lnRef idx="0"/>
+    <cs:fillRef idx="0"/>
+    <cs:effectRef idx="0"/>
+    <cs:fontRef idx="minor">
+      <a:schemeClr val="tx1">
+        <a:lumMod val="65000"/>
+        <a:lumOff val="35000"/>
+      </a:schemeClr>
+    </cs:fontRef>
+    <cs:defRPr sz="1862" b="0" kern="1200" spc="0" baseline="0"/>
+  </cs:title>
+  <cs:trendline>
+    <cs:lnRef idx="0">
+      <cs:styleClr val="auto"/>
+    </cs:lnRef>
+    <cs:fillRef idx="0"/>
+    <cs:effectRef idx="0"/>
+    <cs:fontRef idx="minor">
+      <a:schemeClr val="tx1"/>
+    </cs:fontRef>
+    <cs:spPr>
+      <a:ln w="19050" cap="rnd">
+        <a:solidFill>
+          <a:schemeClr val="phClr"/>
+        </a:solidFill>
+        <a:prstDash val="sysDot"/>
+      </a:ln>
+    </cs:spPr>
+  </cs:trendline>
+  <cs:trendlineLabel>
+    <cs:lnRef idx="0"/>
+    <cs:fillRef idx="0"/>
+    <cs:effectRef idx="0"/>
+    <cs:fontRef idx="minor">
+      <a:schemeClr val="tx1">
+        <a:lumMod val="65000"/>
+        <a:lumOff val="35000"/>
+      </a:schemeClr>
+    </cs:fontRef>
+    <cs:defRPr sz="1197" kern="1200"/>
+  </cs:trendlineLabel>
+  <cs:upBar>
+    <cs:lnRef idx="0"/>
+    <cs:fillRef idx="0"/>
+    <cs:effectRef idx="0"/>
+    <cs:fontRef idx="minor">
+      <a:schemeClr val="dk1"/>
+    </cs:fontRef>
+    <cs:spPr>
+      <a:solidFill>
+        <a:schemeClr val="lt1"/>
+      </a:solidFill>
+      <a:ln w="9525">
+        <a:solidFill>
+          <a:schemeClr val="tx1">
+            <a:lumMod val="15000"/>
+            <a:lumOff val="85000"/>
+          </a:schemeClr>
+        </a:solidFill>
+      </a:ln>
+    </cs:spPr>
+  </cs:upBar>
+  <cs:valueAxis>
+    <cs:lnRef idx="0"/>
+    <cs:fillRef idx="0"/>
+    <cs:effectRef idx="0"/>
+    <cs:fontRef idx="minor">
+      <a:schemeClr val="tx1">
+        <a:lumMod val="65000"/>
+        <a:lumOff val="35000"/>
+      </a:schemeClr>
+    </cs:fontRef>
+    <cs:defRPr sz="1197" kern="1200"/>
+  </cs:valueAxis>
+  <cs:wall>
+    <cs:lnRef idx="0"/>
+    <cs:fillRef idx="0"/>
+    <cs:effectRef idx="0"/>
+    <cs:fontRef idx="minor">
+      <a:schemeClr val="tx1"/>
+    </cs:fontRef>
+    <cs:spPr>
+      <a:noFill/>
+      <a:ln>
+        <a:noFill/>
+      </a:ln>
+    </cs:spPr>
+  </cs:wall>
+</cs:chartStyle>
+</file>
+
 <file path=ppt/notesMasters/notesMaster1.xml><?xml version="1.0" encoding="utf-8"?>
-<p:notesMaster xmlns:a="http://schemas.openxmlformats.org/drawingml/2006/main" xmlns:r="http://schemas.openxmlformats.org/officeDocument/2006/relationships" xmlns:p="http://schemas.openxmlformats.org/presentationml/2006/main">
+<p:notesMaster xmlns:r="http://schemas.openxmlformats.org/officeDocument/2006/relationships" xmlns:c="http://schemas.openxmlformats.org/drawingml/2006/chart" xmlns:a="http://schemas.openxmlformats.org/drawingml/2006/main" xmlns:dgm="http://schemas.openxmlformats.org/drawingml/2006/diagram" xmlns:dsp="http://schemas.microsoft.com/office/drawing/2008/diagram" xmlns:p="http://schemas.openxmlformats.org/presentationml/2006/main">
   <p:cSld>
     <p:bg>
       <p:bgRef idx="1001">
@@ -149,7 +2083,7 @@
             <a:spLocks noGrp="1"/>
           </p:cNvSpPr>
           <p:nvPr>
-            <p:ph type="hdr" sz="quarter"/>
+            <p:ph type="hdr" sz="quarter" idx="0"/>
           </p:nvPr>
         </p:nvSpPr>
         <p:spPr>
@@ -169,6 +2103,7 @@
             </a:lvl1pPr>
           </a:lstStyle>
           <a:p>
+            <a:pPr lvl="0"/>
             <a:endParaRPr lang="ko-KR" altLang="en-US"/>
           </a:p>
         </p:txBody>
@@ -200,9 +2135,10 @@
             </a:lvl1pPr>
           </a:lstStyle>
           <a:p>
-            <a:fld id="{64CB290F-1789-4BF2-9152-653CB8E28C77}" type="datetimeFigureOut">
+            <a:pPr lvl="0"/>
+            <a:fld id="{64CB290F-1789-4BF2-9152-653CB8E28C77}" type="datetime1">
               <a:rPr lang="ko-KR" altLang="en-US" smtClean="0"/>
-              <a:t>2024-06-16</a:t>
+              <a:t>2024-06-17</a:t>
             </a:fld>
             <a:endParaRPr lang="ko-KR" altLang="en-US"/>
           </a:p>
@@ -212,7 +2148,7 @@
         <p:nvSpPr>
           <p:cNvPr id="4" name="슬라이드 이미지 개체 틀 3"/>
           <p:cNvSpPr>
-            <a:spLocks noGrp="1" noRot="1" noChangeAspect="1"/>
+            <a:spLocks noGrp="1" noRot="1" noChangeAspect="1" noTextEdit="1"/>
           </p:cNvSpPr>
           <p:nvPr>
             <p:ph type="sldImg" idx="2"/>
@@ -237,6 +2173,7 @@
           <a:bodyPr vert="horz" lIns="91440" tIns="45720" rIns="91440" bIns="45720" rtlCol="0" anchor="ctr"/>
           <a:lstStyle/>
           <a:p>
+            <a:pPr lvl="0"/>
             <a:endParaRPr lang="ko-KR" altLang="en-US"/>
           </a:p>
         </p:txBody>
@@ -261,42 +2198,57 @@
           </a:prstGeom>
         </p:spPr>
         <p:txBody>
-          <a:bodyPr vert="horz" lIns="91440" tIns="45720" rIns="91440" bIns="45720" rtlCol="0"/>
+          <a:bodyPr vert="horz" lIns="91440" tIns="45720" rIns="91440" bIns="45720"/>
           <a:lstStyle/>
           <a:p>
-            <a:pPr lvl="0"/>
+            <a:pPr lvl="0">
+              <a:defRPr/>
+            </a:pPr>
             <a:r>
               <a:rPr lang="ko-KR" altLang="en-US"/>
               <a:t>마스터 텍스트 스타일을 편집하려면 클릭</a:t>
             </a:r>
-          </a:p>
-          <a:p>
-            <a:pPr lvl="1"/>
+            <a:endParaRPr lang="ko-KR" altLang="en-US"/>
+          </a:p>
+          <a:p>
+            <a:pPr lvl="1">
+              <a:defRPr/>
+            </a:pPr>
             <a:r>
               <a:rPr lang="ko-KR" altLang="en-US"/>
               <a:t>두 번째 수준</a:t>
             </a:r>
-          </a:p>
-          <a:p>
-            <a:pPr lvl="2"/>
+            <a:endParaRPr lang="ko-KR" altLang="en-US"/>
+          </a:p>
+          <a:p>
+            <a:pPr lvl="2">
+              <a:defRPr/>
+            </a:pPr>
             <a:r>
               <a:rPr lang="ko-KR" altLang="en-US"/>
               <a:t>세 번째 수준</a:t>
             </a:r>
-          </a:p>
-          <a:p>
-            <a:pPr lvl="3"/>
+            <a:endParaRPr lang="ko-KR" altLang="en-US"/>
+          </a:p>
+          <a:p>
+            <a:pPr lvl="3">
+              <a:defRPr/>
+            </a:pPr>
             <a:r>
               <a:rPr lang="ko-KR" altLang="en-US"/>
               <a:t>네 번째 수준</a:t>
             </a:r>
-          </a:p>
-          <a:p>
-            <a:pPr lvl="4"/>
+            <a:endParaRPr lang="ko-KR" altLang="en-US"/>
+          </a:p>
+          <a:p>
+            <a:pPr lvl="4">
+              <a:defRPr/>
+            </a:pPr>
             <a:r>
               <a:rPr lang="ko-KR" altLang="en-US"/>
               <a:t>다섯 번째 수준</a:t>
             </a:r>
+            <a:endParaRPr lang="ko-KR" altLang="en-US"/>
           </a:p>
         </p:txBody>
       </p:sp>
@@ -327,6 +2279,7 @@
             </a:lvl1pPr>
           </a:lstStyle>
           <a:p>
+            <a:pPr lvl="0"/>
             <a:endParaRPr lang="ko-KR" altLang="en-US"/>
           </a:p>
         </p:txBody>
@@ -358,6 +2311,7 @@
             </a:lvl1pPr>
           </a:lstStyle>
           <a:p>
+            <a:pPr lvl="0"/>
             <a:fld id="{84B4AB73-86E3-480A-92E3-F81FD3099CCA}" type="slidenum">
               <a:rPr lang="ko-KR" altLang="en-US" smtClean="0"/>
               <a:t>‹#›</a:t>
@@ -374,6 +2328,7 @@
     </p:extLst>
   </p:cSld>
   <p:clrMap bg1="lt1" tx1="dk1" bg2="lt2" tx2="dk2" accent1="accent1" accent2="accent2" accent3="accent3" accent4="accent4" accent5="accent5" accent6="accent6" hlink="hlink" folHlink="folHlink"/>
+  <p:hf hdr="0" ftr="0" dt="0"/>
   <p:notesStyle>
     <a:lvl1pPr marL="0" algn="l" defTabSz="914400" rtl="0" eaLnBrk="1" latinLnBrk="1" hangingPunct="1">
       <a:defRPr sz="1200" kern="1200">
@@ -1146,7 +3101,7 @@
           <a:p>
             <a:fld id="{84159E81-9E6B-429A-B11C-767CEFF7CCB8}" type="datetimeFigureOut">
               <a:rPr lang="ko-KR" altLang="en-US" smtClean="0"/>
-              <a:t>2024-06-16</a:t>
+              <a:t>2024-06-17</a:t>
             </a:fld>
             <a:endParaRPr lang="ko-KR" altLang="en-US"/>
           </a:p>
@@ -1344,7 +3299,7 @@
           <a:p>
             <a:fld id="{84159E81-9E6B-429A-B11C-767CEFF7CCB8}" type="datetimeFigureOut">
               <a:rPr lang="ko-KR" altLang="en-US" smtClean="0"/>
-              <a:t>2024-06-16</a:t>
+              <a:t>2024-06-17</a:t>
             </a:fld>
             <a:endParaRPr lang="ko-KR" altLang="en-US"/>
           </a:p>
@@ -1552,7 +3507,7 @@
           <a:p>
             <a:fld id="{84159E81-9E6B-429A-B11C-767CEFF7CCB8}" type="datetimeFigureOut">
               <a:rPr lang="ko-KR" altLang="en-US" smtClean="0"/>
-              <a:t>2024-06-16</a:t>
+              <a:t>2024-06-17</a:t>
             </a:fld>
             <a:endParaRPr lang="ko-KR" altLang="en-US"/>
           </a:p>
@@ -1750,7 +3705,7 @@
           <a:p>
             <a:fld id="{84159E81-9E6B-429A-B11C-767CEFF7CCB8}" type="datetimeFigureOut">
               <a:rPr lang="ko-KR" altLang="en-US" smtClean="0"/>
-              <a:t>2024-06-16</a:t>
+              <a:t>2024-06-17</a:t>
             </a:fld>
             <a:endParaRPr lang="ko-KR" altLang="en-US"/>
           </a:p>
@@ -2025,7 +3980,7 @@
           <a:p>
             <a:fld id="{84159E81-9E6B-429A-B11C-767CEFF7CCB8}" type="datetimeFigureOut">
               <a:rPr lang="ko-KR" altLang="en-US" smtClean="0"/>
-              <a:t>2024-06-16</a:t>
+              <a:t>2024-06-17</a:t>
             </a:fld>
             <a:endParaRPr lang="ko-KR" altLang="en-US"/>
           </a:p>
@@ -2290,7 +4245,7 @@
           <a:p>
             <a:fld id="{84159E81-9E6B-429A-B11C-767CEFF7CCB8}" type="datetimeFigureOut">
               <a:rPr lang="ko-KR" altLang="en-US" smtClean="0"/>
-              <a:t>2024-06-16</a:t>
+              <a:t>2024-06-17</a:t>
             </a:fld>
             <a:endParaRPr lang="ko-KR" altLang="en-US"/>
           </a:p>
@@ -2702,7 +4657,7 @@
           <a:p>
             <a:fld id="{84159E81-9E6B-429A-B11C-767CEFF7CCB8}" type="datetimeFigureOut">
               <a:rPr lang="ko-KR" altLang="en-US" smtClean="0"/>
-              <a:t>2024-06-16</a:t>
+              <a:t>2024-06-17</a:t>
             </a:fld>
             <a:endParaRPr lang="ko-KR" altLang="en-US"/>
           </a:p>
@@ -2843,7 +4798,7 @@
           <a:p>
             <a:fld id="{84159E81-9E6B-429A-B11C-767CEFF7CCB8}" type="datetimeFigureOut">
               <a:rPr lang="ko-KR" altLang="en-US" smtClean="0"/>
-              <a:t>2024-06-16</a:t>
+              <a:t>2024-06-17</a:t>
             </a:fld>
             <a:endParaRPr lang="ko-KR" altLang="en-US"/>
           </a:p>
@@ -2956,7 +4911,7 @@
           <a:p>
             <a:fld id="{84159E81-9E6B-429A-B11C-767CEFF7CCB8}" type="datetimeFigureOut">
               <a:rPr lang="ko-KR" altLang="en-US" smtClean="0"/>
-              <a:t>2024-06-16</a:t>
+              <a:t>2024-06-17</a:t>
             </a:fld>
             <a:endParaRPr lang="ko-KR" altLang="en-US"/>
           </a:p>
@@ -3267,7 +5222,7 @@
           <a:p>
             <a:fld id="{84159E81-9E6B-429A-B11C-767CEFF7CCB8}" type="datetimeFigureOut">
               <a:rPr lang="ko-KR" altLang="en-US" smtClean="0"/>
-              <a:t>2024-06-16</a:t>
+              <a:t>2024-06-17</a:t>
             </a:fld>
             <a:endParaRPr lang="ko-KR" altLang="en-US"/>
           </a:p>
@@ -3555,7 +5510,7 @@
           <a:p>
             <a:fld id="{84159E81-9E6B-429A-B11C-767CEFF7CCB8}" type="datetimeFigureOut">
               <a:rPr lang="ko-KR" altLang="en-US" smtClean="0"/>
-              <a:t>2024-06-16</a:t>
+              <a:t>2024-06-17</a:t>
             </a:fld>
             <a:endParaRPr lang="ko-KR" altLang="en-US"/>
           </a:p>
@@ -3796,7 +5751,7 @@
           <a:p>
             <a:fld id="{84159E81-9E6B-429A-B11C-767CEFF7CCB8}" type="datetimeFigureOut">
               <a:rPr lang="ko-KR" altLang="en-US" smtClean="0"/>
-              <a:t>2024-06-16</a:t>
+              <a:t>2024-06-17</a:t>
             </a:fld>
             <a:endParaRPr lang="ko-KR" altLang="en-US"/>
           </a:p>
@@ -4319,6 +6274,169 @@
 </file>
 
 <file path=ppt/slides/slide10.xml><?xml version="1.0" encoding="utf-8"?>
+<p:sld xmlns:r="http://schemas.openxmlformats.org/officeDocument/2006/relationships" xmlns:c="http://schemas.openxmlformats.org/drawingml/2006/chart" xmlns:a="http://schemas.openxmlformats.org/drawingml/2006/main" xmlns:dgm="http://schemas.openxmlformats.org/drawingml/2006/diagram" xmlns:dsp="http://schemas.microsoft.com/office/drawing/2008/diagram" xmlns:p="http://schemas.openxmlformats.org/presentationml/2006/main">
+  <p:cSld>
+    <p:spTree>
+      <p:nvGrpSpPr>
+        <p:cNvPr id="1" name=""/>
+        <p:cNvGrpSpPr/>
+        <p:nvPr/>
+      </p:nvGrpSpPr>
+      <p:grpSpPr>
+        <a:xfrm>
+          <a:off x="0" y="0"/>
+          <a:ext cx="0" cy="0"/>
+          <a:chOff x="0" y="0"/>
+          <a:chExt cx="0" cy="0"/>
+        </a:xfrm>
+      </p:grpSpPr>
+      <p:sp>
+        <p:nvSpPr>
+          <p:cNvPr id="2" name="제목 1">
+            <a:extLst>
+              <a:ext uri="{FF2B5EF4-FFF2-40B4-BE49-F238E27FC236}">
+                <a16:creationId xmlns:a16="http://schemas.microsoft.com/office/drawing/2014/main" id="{FC02B268-B265-816D-546F-F94719FD4096}"/>
+              </a:ext>
+            </a:extLst>
+          </p:cNvPr>
+          <p:cNvSpPr>
+            <a:spLocks noGrp="1"/>
+          </p:cNvSpPr>
+          <p:nvPr>
+            <p:ph type="title"/>
+          </p:nvPr>
+        </p:nvSpPr>
+        <p:spPr/>
+        <p:txBody>
+          <a:bodyPr/>
+          <a:lstStyle/>
+          <a:p>
+            <a:r>
+              <a:rPr lang="ko-KR" altLang="en-US" dirty="0"/>
+              <a:t>해결방안 제시 </a:t>
+            </a:r>
+            <a:r>
+              <a:rPr lang="en-US" altLang="ko-KR" dirty="0"/>
+              <a:t>(</a:t>
+            </a:r>
+            <a:r>
+              <a:rPr lang="ko-KR" altLang="en-US" dirty="0"/>
+              <a:t>목표를 위한 구체적인 해결 방안 요약</a:t>
+            </a:r>
+            <a:r>
+              <a:rPr lang="en-US" altLang="ko-KR" dirty="0"/>
+              <a:t>)</a:t>
+            </a:r>
+            <a:endParaRPr lang="ko-KR" altLang="en-US" dirty="0"/>
+          </a:p>
+        </p:txBody>
+      </p:sp>
+      <p:cxnSp>
+        <p:nvCxnSpPr>
+          <p:cNvPr id="7" name="직선 화살표 연결선 6"/>
+          <p:cNvCxnSpPr/>
+          <p:nvPr/>
+        </p:nvCxnSpPr>
+        <p:spPr>
+          <a:xfrm flipV="1">
+            <a:off x="5901612" y="4190351"/>
+            <a:ext cx="537806" cy="0"/>
+          </a:xfrm>
+          <a:prstGeom prst="straightConnector1">
+            <a:avLst/>
+          </a:prstGeom>
+          <a:ln>
+            <a:solidFill>
+              <a:srgbClr val="ff0000"/>
+            </a:solidFill>
+            <a:tailEnd type="arrow"/>
+          </a:ln>
+        </p:spPr>
+        <p:style>
+          <a:lnRef idx="2">
+            <a:schemeClr val="accent1"/>
+          </a:lnRef>
+          <a:fillRef idx="0">
+            <a:schemeClr val="accent1"/>
+          </a:fillRef>
+          <a:effectRef idx="1">
+            <a:schemeClr val="accent1"/>
+          </a:effectRef>
+          <a:fontRef idx="minor">
+            <a:schemeClr val="tx1"/>
+          </a:fontRef>
+        </p:style>
+      </p:cxnSp>
+      <p:pic>
+        <p:nvPicPr>
+          <p:cNvPr id="8" name=""/>
+          <p:cNvPicPr>
+            <a:picLocks noChangeAspect="1"/>
+          </p:cNvPicPr>
+          <p:nvPr/>
+        </p:nvPicPr>
+        <p:blipFill rotWithShape="1">
+          <a:blip r:embed="rId2"/>
+          <a:stretch>
+            <a:fillRect/>
+          </a:stretch>
+        </p:blipFill>
+        <p:spPr>
+          <a:xfrm>
+            <a:off x="6501817" y="2284584"/>
+            <a:ext cx="5162550" cy="3886200"/>
+          </a:xfrm>
+          <a:prstGeom prst="rect">
+            <a:avLst/>
+          </a:prstGeom>
+        </p:spPr>
+      </p:pic>
+      <p:pic>
+        <p:nvPicPr>
+          <p:cNvPr id="10" name=""/>
+          <p:cNvPicPr>
+            <a:picLocks noChangeAspect="1"/>
+          </p:cNvPicPr>
+          <p:nvPr/>
+        </p:nvPicPr>
+        <p:blipFill rotWithShape="1">
+          <a:blip r:embed="rId3"/>
+          <a:stretch>
+            <a:fillRect/>
+          </a:stretch>
+        </p:blipFill>
+        <p:spPr>
+          <a:xfrm>
+            <a:off x="626366" y="2277063"/>
+            <a:ext cx="5172075" cy="3895725"/>
+          </a:xfrm>
+          <a:prstGeom prst="rect">
+            <a:avLst/>
+          </a:prstGeom>
+        </p:spPr>
+      </p:pic>
+    </p:spTree>
+    <p:extLst>
+      <p:ext uri="{BB962C8B-B14F-4D97-AF65-F5344CB8AC3E}">
+        <p14:creationId xmlns:p14="http://schemas.microsoft.com/office/powerpoint/2010/main" val="729613106"/>
+      </p:ext>
+    </p:extLst>
+  </p:cSld>
+  <p:clrMapOvr>
+    <a:masterClrMapping/>
+  </p:clrMapOvr>
+  <mc:AlternateContent xmlns:mc="http://schemas.openxmlformats.org/markup-compatibility/2006">
+    <mc:Choice xmlns:p14="http://schemas.microsoft.com/office/powerpoint/2010/main" Requires="p14">
+      <p:transition xmlns:mc="http://schemas.openxmlformats.org/markup-compatibility/2006" xmlns:p14="http://schemas.microsoft.com/office/powerpoint/2010/main" mc:Ignorable="p14" p14:dur="500"/>
+    </mc:Choice>
+    <mc:Fallback>
+      <p:transition/>
+    </mc:Fallback>
+  </mc:AlternateContent>
+</p:sld>
+</file>
+
+<file path=ppt/slides/slide11.xml><?xml version="1.0" encoding="utf-8"?>
 <p:sld xmlns:a="http://schemas.openxmlformats.org/drawingml/2006/main" xmlns:r="http://schemas.openxmlformats.org/officeDocument/2006/relationships" xmlns:p="http://schemas.openxmlformats.org/presentationml/2006/main">
   <p:cSld>
     <p:spTree>
@@ -4340,6 +6458,218 @@
           <p:cNvPr id="5" name="제목 4">
             <a:extLst>
               <a:ext uri="{FF2B5EF4-FFF2-40B4-BE49-F238E27FC236}">
+                <a16:creationId xmlns:a16="http://schemas.microsoft.com/office/drawing/2014/main" id="{760D6F72-F04F-49FA-CBBF-C083E0E082C1}"/>
+              </a:ext>
+            </a:extLst>
+          </p:cNvPr>
+          <p:cNvSpPr>
+            <a:spLocks noGrp="1"/>
+          </p:cNvSpPr>
+          <p:nvPr>
+            <p:ph type="title"/>
+          </p:nvPr>
+        </p:nvSpPr>
+        <p:spPr/>
+        <p:txBody>
+          <a:bodyPr>
+            <a:normAutofit/>
+          </a:bodyPr>
+          <a:lstStyle/>
+          <a:p>
+            <a:r>
+              <a:rPr lang="ko-KR" altLang="en-US" dirty="0"/>
+              <a:t>문제점 분석</a:t>
+            </a:r>
+          </a:p>
+        </p:txBody>
+      </p:sp>
+      <p:graphicFrame>
+        <p:nvGraphicFramePr>
+          <p:cNvPr id="4" name="차트 3">
+            <a:extLst>
+              <a:ext uri="{FF2B5EF4-FFF2-40B4-BE49-F238E27FC236}">
+                <a16:creationId xmlns:a16="http://schemas.microsoft.com/office/drawing/2014/main" id="{4496421B-44C5-C9FE-5C70-F9F1AA48EB7E}"/>
+              </a:ext>
+            </a:extLst>
+          </p:cNvPr>
+          <p:cNvGraphicFramePr/>
+          <p:nvPr>
+            <p:extLst>
+              <p:ext uri="{D42A27DB-BD31-4B8C-83A1-F6EECF244321}">
+                <p14:modId xmlns:p14="http://schemas.microsoft.com/office/powerpoint/2010/main" val="4172785484"/>
+              </p:ext>
+            </p:extLst>
+          </p:nvPr>
+        </p:nvGraphicFramePr>
+        <p:xfrm>
+          <a:off x="6407728" y="1714500"/>
+          <a:ext cx="5143500" cy="3429000"/>
+        </p:xfrm>
+        <a:graphic>
+          <a:graphicData uri="http://schemas.openxmlformats.org/drawingml/2006/chart">
+            <c:chart xmlns:c="http://schemas.openxmlformats.org/drawingml/2006/chart" xmlns:r="http://schemas.openxmlformats.org/officeDocument/2006/relationships" r:id="rId2"/>
+          </a:graphicData>
+        </a:graphic>
+      </p:graphicFrame>
+      <p:sp>
+        <p:nvSpPr>
+          <p:cNvPr id="7" name="TextBox 6">
+            <a:extLst>
+              <a:ext uri="{FF2B5EF4-FFF2-40B4-BE49-F238E27FC236}">
+                <a16:creationId xmlns:a16="http://schemas.microsoft.com/office/drawing/2014/main" id="{35C1B6B2-9A1E-29DB-F614-A01AE0204FC0}"/>
+              </a:ext>
+            </a:extLst>
+          </p:cNvPr>
+          <p:cNvSpPr txBox="1"/>
+          <p:nvPr/>
+        </p:nvSpPr>
+        <p:spPr>
+          <a:xfrm>
+            <a:off x="838200" y="2828835"/>
+            <a:ext cx="6571130" cy="1754326"/>
+          </a:xfrm>
+          <a:prstGeom prst="rect">
+            <a:avLst/>
+          </a:prstGeom>
+          <a:noFill/>
+        </p:spPr>
+        <p:txBody>
+          <a:bodyPr wrap="square" rtlCol="0">
+            <a:spAutoFit/>
+          </a:bodyPr>
+          <a:lstStyle/>
+          <a:p>
+            <a:r>
+              <a:rPr lang="ko-KR" altLang="en-US" dirty="0"/>
+              <a:t>강화 성공 확률과 파괴 확률을 조정하여</a:t>
+            </a:r>
+            <a:br>
+              <a:rPr lang="en-US" altLang="ko-KR" dirty="0"/>
+            </a:br>
+            <a:r>
+              <a:rPr lang="en-US" altLang="ko-KR" dirty="0"/>
+              <a:t>10</a:t>
+            </a:r>
+            <a:r>
+              <a:rPr lang="ko-KR" altLang="en-US" dirty="0"/>
+              <a:t>단계까지 갈 수 있게 함</a:t>
+            </a:r>
+            <a:r>
+              <a:rPr lang="en-US" altLang="ko-KR" dirty="0"/>
+              <a:t>.</a:t>
+            </a:r>
+            <a:br>
+              <a:rPr lang="en-US" altLang="ko-KR" dirty="0"/>
+            </a:br>
+            <a:br>
+              <a:rPr lang="en-US" altLang="ko-KR" dirty="0"/>
+            </a:br>
+            <a:r>
+              <a:rPr lang="ko-KR" altLang="en-US" dirty="0"/>
+              <a:t>후에는 </a:t>
+            </a:r>
+            <a:r>
+              <a:rPr lang="en-US" altLang="ko-KR" dirty="0"/>
+              <a:t>10</a:t>
+            </a:r>
+            <a:r>
+              <a:rPr lang="ko-KR" altLang="en-US" dirty="0"/>
+              <a:t>단계까지 강화를 하는 유저가 생기고</a:t>
+            </a:r>
+            <a:br>
+              <a:rPr lang="en-US" altLang="ko-KR" dirty="0"/>
+            </a:br>
+            <a:r>
+              <a:rPr lang="ko-KR" altLang="en-US" dirty="0"/>
+              <a:t>이벤트를 통해서 더욱 많은 유저들이 유입되는</a:t>
+            </a:r>
+            <a:br>
+              <a:rPr lang="en-US" altLang="ko-KR" dirty="0"/>
+            </a:br>
+            <a:r>
+              <a:rPr lang="ko-KR" altLang="en-US" dirty="0"/>
+              <a:t>상황을 기대할 수 있음</a:t>
+            </a:r>
+            <a:endParaRPr lang="en-US" altLang="ko-KR" dirty="0"/>
+          </a:p>
+        </p:txBody>
+      </p:sp>
+      <p:sp>
+        <p:nvSpPr>
+          <p:cNvPr id="8" name="TextBox 7">
+            <a:extLst>
+              <a:ext uri="{FF2B5EF4-FFF2-40B4-BE49-F238E27FC236}">
+                <a16:creationId xmlns:a16="http://schemas.microsoft.com/office/drawing/2014/main" id="{FAA23F1C-A400-336B-DF2B-020CF29A1DA9}"/>
+              </a:ext>
+            </a:extLst>
+          </p:cNvPr>
+          <p:cNvSpPr txBox="1"/>
+          <p:nvPr/>
+        </p:nvSpPr>
+        <p:spPr>
+          <a:xfrm>
+            <a:off x="5941292" y="5143499"/>
+            <a:ext cx="6571130" cy="369332"/>
+          </a:xfrm>
+          <a:prstGeom prst="rect">
+            <a:avLst/>
+          </a:prstGeom>
+          <a:noFill/>
+        </p:spPr>
+        <p:txBody>
+          <a:bodyPr wrap="square" rtlCol="0">
+            <a:spAutoFit/>
+          </a:bodyPr>
+          <a:lstStyle/>
+          <a:p>
+            <a:pPr algn="ctr"/>
+            <a:r>
+              <a:rPr lang="en-US" altLang="ko-KR" dirty="0"/>
+              <a:t>06/13 ~ </a:t>
+            </a:r>
+            <a:r>
+              <a:rPr lang="ko-KR" altLang="en-US" dirty="0"/>
+              <a:t>현재 강화 로그 그래프</a:t>
+            </a:r>
+            <a:endParaRPr lang="en-US" altLang="ko-KR" dirty="0"/>
+          </a:p>
+        </p:txBody>
+      </p:sp>
+    </p:spTree>
+    <p:extLst>
+      <p:ext uri="{BB962C8B-B14F-4D97-AF65-F5344CB8AC3E}">
+        <p14:creationId xmlns:p14="http://schemas.microsoft.com/office/powerpoint/2010/main" val="540552165"/>
+      </p:ext>
+    </p:extLst>
+  </p:cSld>
+  <p:clrMapOvr>
+    <a:masterClrMapping/>
+  </p:clrMapOvr>
+</p:sld>
+</file>
+
+<file path=ppt/slides/slide12.xml><?xml version="1.0" encoding="utf-8"?>
+<p:sld xmlns:a="http://schemas.openxmlformats.org/drawingml/2006/main" xmlns:r="http://schemas.openxmlformats.org/officeDocument/2006/relationships" xmlns:p="http://schemas.openxmlformats.org/presentationml/2006/main">
+  <p:cSld>
+    <p:spTree>
+      <p:nvGrpSpPr>
+        <p:cNvPr id="1" name=""/>
+        <p:cNvGrpSpPr/>
+        <p:nvPr/>
+      </p:nvGrpSpPr>
+      <p:grpSpPr>
+        <a:xfrm>
+          <a:off x="0" y="0"/>
+          <a:ext cx="0" cy="0"/>
+          <a:chOff x="0" y="0"/>
+          <a:chExt cx="0" cy="0"/>
+        </a:xfrm>
+      </p:grpSpPr>
+      <p:sp>
+        <p:nvSpPr>
+          <p:cNvPr id="5" name="제목 4">
+            <a:extLst>
+              <a:ext uri="{FF2B5EF4-FFF2-40B4-BE49-F238E27FC236}">
                 <a16:creationId xmlns:a16="http://schemas.microsoft.com/office/drawing/2014/main" id="{D30756D5-8C54-984F-5BC4-D6A0724B17C3}"/>
               </a:ext>
             </a:extLst>
@@ -4445,7 +6775,7 @@
 </p:sld>
 </file>
 
-<file path=ppt/slides/slide11.xml><?xml version="1.0" encoding="utf-8"?>
+<file path=ppt/slides/slide13.xml><?xml version="1.0" encoding="utf-8"?>
 <p:sld xmlns:a="http://schemas.openxmlformats.org/drawingml/2006/main" xmlns:r="http://schemas.openxmlformats.org/officeDocument/2006/relationships" xmlns:p="http://schemas.openxmlformats.org/presentationml/2006/main">
   <p:cSld>
     <p:spTree>
@@ -7569,10 +9899,10 @@
       </p:grpSpPr>
       <p:sp>
         <p:nvSpPr>
-          <p:cNvPr id="2" name="제목 1">
+          <p:cNvPr id="5" name="제목 4">
             <a:extLst>
               <a:ext uri="{FF2B5EF4-FFF2-40B4-BE49-F238E27FC236}">
-                <a16:creationId xmlns:a16="http://schemas.microsoft.com/office/drawing/2014/main" id="{FC02B268-B265-816D-546F-F94719FD4096}"/>
+                <a16:creationId xmlns:a16="http://schemas.microsoft.com/office/drawing/2014/main" id="{760D6F72-F04F-49FA-CBBF-C083E0E082C1}"/>
               </a:ext>
             </a:extLst>
           </p:cNvPr>
@@ -7585,35 +9915,52 @@
         </p:nvSpPr>
         <p:spPr/>
         <p:txBody>
-          <a:bodyPr/>
+          <a:bodyPr>
+            <a:normAutofit/>
+          </a:bodyPr>
           <a:lstStyle/>
           <a:p>
             <a:r>
               <a:rPr lang="ko-KR" altLang="en-US" dirty="0"/>
-              <a:t>해결방안 제시 </a:t>
-            </a:r>
-            <a:r>
-              <a:rPr lang="en-US" altLang="ko-KR" dirty="0"/>
-              <a:t>(</a:t>
-            </a:r>
-            <a:r>
-              <a:rPr lang="ko-KR" altLang="en-US" dirty="0"/>
-              <a:t>목표를 위한 구체적인 해결 방안 요약</a:t>
-            </a:r>
-            <a:r>
-              <a:rPr lang="en-US" altLang="ko-KR" dirty="0"/>
-              <a:t>)</a:t>
-            </a:r>
-            <a:endParaRPr lang="ko-KR" altLang="en-US" dirty="0"/>
+              <a:t>문제점 분석</a:t>
+            </a:r>
           </a:p>
         </p:txBody>
       </p:sp>
-      <p:sp>
-        <p:nvSpPr>
-          <p:cNvPr id="4" name="TextBox 3">
+      <p:graphicFrame>
+        <p:nvGraphicFramePr>
+          <p:cNvPr id="4" name="차트 3">
             <a:extLst>
               <a:ext uri="{FF2B5EF4-FFF2-40B4-BE49-F238E27FC236}">
-                <a16:creationId xmlns:a16="http://schemas.microsoft.com/office/drawing/2014/main" id="{E3370FB8-D883-9598-B34B-951E6AD27A8B}"/>
+                <a16:creationId xmlns:a16="http://schemas.microsoft.com/office/drawing/2014/main" id="{4496421B-44C5-C9FE-5C70-F9F1AA48EB7E}"/>
+              </a:ext>
+            </a:extLst>
+          </p:cNvPr>
+          <p:cNvGraphicFramePr/>
+          <p:nvPr>
+            <p:extLst>
+              <p:ext uri="{D42A27DB-BD31-4B8C-83A1-F6EECF244321}">
+                <p14:modId xmlns:p14="http://schemas.microsoft.com/office/powerpoint/2010/main" val="2782585432"/>
+              </p:ext>
+            </p:extLst>
+          </p:nvPr>
+        </p:nvGraphicFramePr>
+        <p:xfrm>
+          <a:off x="6407728" y="1714500"/>
+          <a:ext cx="5143500" cy="3429000"/>
+        </p:xfrm>
+        <a:graphic>
+          <a:graphicData uri="http://schemas.openxmlformats.org/drawingml/2006/chart">
+            <c:chart xmlns:c="http://schemas.openxmlformats.org/drawingml/2006/chart" xmlns:r="http://schemas.openxmlformats.org/officeDocument/2006/relationships" r:id="rId2"/>
+          </a:graphicData>
+        </a:graphic>
+      </p:graphicFrame>
+      <p:sp>
+        <p:nvSpPr>
+          <p:cNvPr id="7" name="TextBox 6">
+            <a:extLst>
+              <a:ext uri="{FF2B5EF4-FFF2-40B4-BE49-F238E27FC236}">
+                <a16:creationId xmlns:a16="http://schemas.microsoft.com/office/drawing/2014/main" id="{35C1B6B2-9A1E-29DB-F614-A01AE0204FC0}"/>
               </a:ext>
             </a:extLst>
           </p:cNvPr>
@@ -7622,8 +9969,8 @@
         </p:nvSpPr>
         <p:spPr>
           <a:xfrm>
-            <a:off x="1488141" y="2411506"/>
-            <a:ext cx="6006353" cy="923330"/>
+            <a:off x="838200" y="2828835"/>
+            <a:ext cx="6571130" cy="1200329"/>
           </a:xfrm>
           <a:prstGeom prst="rect">
             <a:avLst/>
@@ -7638,36 +9985,118 @@
           <a:p>
             <a:r>
               <a:rPr lang="ko-KR" altLang="en-US" dirty="0"/>
-              <a:t>전반적으로 모든 강화레벨에서 성공확률을 대폭 높여서 최대단계까지 강화를 </a:t>
-            </a:r>
-            <a:r>
-              <a:rPr lang="ko-KR" altLang="en-US" dirty="0" err="1"/>
-              <a:t>할수</a:t>
-            </a:r>
+              <a:t>유저들의 성취감을 느끼게 해주는 것이</a:t>
+            </a:r>
+            <a:br>
+              <a:rPr lang="en-US" altLang="ko-KR" dirty="0"/>
+            </a:br>
             <a:r>
               <a:rPr lang="ko-KR" altLang="en-US" dirty="0"/>
-              <a:t> 있게 함 </a:t>
-            </a:r>
-            <a:r>
+              <a:t>게임 개발의 목표지만 </a:t>
+            </a:r>
+            <a:br>
               <a:rPr lang="en-US" altLang="ko-KR" dirty="0"/>
-              <a:t>-&gt; </a:t>
-            </a:r>
+            </a:br>
             <a:r>
               <a:rPr lang="ko-KR" altLang="en-US" dirty="0"/>
-              <a:t>강화수치 조정해서 기입해주시면 </a:t>
-            </a:r>
-            <a:r>
-              <a:rPr lang="ko-KR" altLang="en-US" dirty="0" err="1"/>
-              <a:t>좋을거같습니다</a:t>
-            </a:r>
-            <a:endParaRPr lang="ko-KR" altLang="en-US" dirty="0"/>
+              <a:t>게임 출시일인 </a:t>
+            </a:r>
+            <a:r>
+              <a:rPr lang="en-US" altLang="ko-KR" dirty="0"/>
+              <a:t>5</a:t>
+            </a:r>
+            <a:r>
+              <a:rPr lang="ko-KR" altLang="en-US" dirty="0"/>
+              <a:t>월</a:t>
+            </a:r>
+            <a:r>
+              <a:rPr lang="en-US" altLang="ko-KR" dirty="0"/>
+              <a:t>14</a:t>
+            </a:r>
+            <a:r>
+              <a:rPr lang="ko-KR" altLang="en-US" dirty="0"/>
+              <a:t>일부터 </a:t>
+            </a:r>
+            <a:r>
+              <a:rPr lang="en-US" altLang="ko-KR" dirty="0"/>
+              <a:t>6</a:t>
+            </a:r>
+            <a:r>
+              <a:rPr lang="ko-KR" altLang="en-US" dirty="0"/>
+              <a:t>월 </a:t>
+            </a:r>
+            <a:r>
+              <a:rPr lang="en-US" altLang="ko-KR" dirty="0"/>
+              <a:t>12</a:t>
+            </a:r>
+            <a:r>
+              <a:rPr lang="ko-KR" altLang="en-US" dirty="0"/>
+              <a:t>일까지</a:t>
+            </a:r>
+            <a:br>
+              <a:rPr lang="en-US" altLang="ko-KR" dirty="0"/>
+            </a:br>
+            <a:r>
+              <a:rPr lang="ko-KR" altLang="en-US" dirty="0"/>
+              <a:t>단 한 명도 </a:t>
+            </a:r>
+            <a:r>
+              <a:rPr lang="en-US" altLang="ko-KR" dirty="0"/>
+              <a:t>9</a:t>
+            </a:r>
+            <a:r>
+              <a:rPr lang="ko-KR" altLang="en-US" dirty="0"/>
+              <a:t>단계에 접근한 유저가 나타나지 않음</a:t>
+            </a:r>
+            <a:endParaRPr lang="en-US" altLang="ko-KR" dirty="0"/>
+          </a:p>
+        </p:txBody>
+      </p:sp>
+      <p:sp>
+        <p:nvSpPr>
+          <p:cNvPr id="8" name="TextBox 7">
+            <a:extLst>
+              <a:ext uri="{FF2B5EF4-FFF2-40B4-BE49-F238E27FC236}">
+                <a16:creationId xmlns:a16="http://schemas.microsoft.com/office/drawing/2014/main" id="{FAA23F1C-A400-336B-DF2B-020CF29A1DA9}"/>
+              </a:ext>
+            </a:extLst>
+          </p:cNvPr>
+          <p:cNvSpPr txBox="1"/>
+          <p:nvPr/>
+        </p:nvSpPr>
+        <p:spPr>
+          <a:xfrm>
+            <a:off x="5941292" y="5143499"/>
+            <a:ext cx="6571130" cy="369332"/>
+          </a:xfrm>
+          <a:prstGeom prst="rect">
+            <a:avLst/>
+          </a:prstGeom>
+          <a:noFill/>
+        </p:spPr>
+        <p:txBody>
+          <a:bodyPr wrap="square" rtlCol="0">
+            <a:spAutoFit/>
+          </a:bodyPr>
+          <a:lstStyle/>
+          <a:p>
+            <a:pPr algn="ctr"/>
+            <a:r>
+              <a:rPr lang="en-US" altLang="ko-KR" dirty="0"/>
+              <a:t>05/14 ~ 06/12 </a:t>
+            </a:r>
+            <a:r>
+              <a:rPr lang="ko-KR" altLang="en-US" dirty="0"/>
+              <a:t>강화 로그 그래프</a:t>
+            </a:r>
+            <a:endParaRPr lang="en-US" altLang="ko-KR" dirty="0"/>
           </a:p>
         </p:txBody>
       </p:sp>
     </p:spTree>
     <p:extLst>
       <p:ext uri="{BB962C8B-B14F-4D97-AF65-F5344CB8AC3E}">
-        <p14:creationId xmlns:p14="http://schemas.microsoft.com/office/powerpoint/2010/main" val="729613106"/>
+        <p14:creationId xmlns:p14="http://schemas.microsoft.com/office/powerpoint/2010/main" val="859143470"/>
       </p:ext>
     </p:extLst>
   </p:cSld>
@@ -7678,44 +10107,44 @@
 </file>
 
 <file path=ppt/theme/theme1.xml><?xml version="1.0" encoding="utf-8"?>
-<a:theme xmlns:a="http://schemas.openxmlformats.org/drawingml/2006/main" name="Office 테마">
+<a:theme xmlns:r="http://schemas.openxmlformats.org/officeDocument/2006/relationships" xmlns:c="http://schemas.openxmlformats.org/drawingml/2006/chart" xmlns:dgm="http://schemas.openxmlformats.org/drawingml/2006/diagram" xmlns:dsp="http://schemas.microsoft.com/office/drawing/2008/diagram" xmlns:a="http://schemas.openxmlformats.org/drawingml/2006/main" xmlns:pic="http://schemas.openxmlformats.org/drawingml/2006/picture" xmlns:wp="http://schemas.openxmlformats.org/drawingml/2006/wordprocessingDrawing" xmlns:xdr="http://schemas.openxmlformats.org/drawingml/2006/spreadsheetDrawing" xmlns:lc="http://schemas.openxmlformats.org/drawingml/2006/lockedCanvas" xmlns:p="http://schemas.openxmlformats.org/presentationml/2006/main" name="Office 테마">
   <a:themeElements>
     <a:clrScheme name="Office">
       <a:dk1>
         <a:sysClr val="windowText" lastClr="000000"/>
       </a:dk1>
       <a:lt1>
-        <a:sysClr val="window" lastClr="FFFFFF"/>
+        <a:sysClr val="window" lastClr="ffffff"/>
       </a:lt1>
       <a:dk2>
-        <a:srgbClr val="0E2841"/>
+        <a:srgbClr val="0e2841"/>
       </a:dk2>
       <a:lt2>
-        <a:srgbClr val="E8E8E8"/>
+        <a:srgbClr val="e8e8e8"/>
       </a:lt2>
       <a:accent1>
         <a:srgbClr val="156082"/>
       </a:accent1>
       <a:accent2>
-        <a:srgbClr val="E97132"/>
+        <a:srgbClr val="e97132"/>
       </a:accent2>
       <a:accent3>
-        <a:srgbClr val="196B24"/>
+        <a:srgbClr val="196b24"/>
       </a:accent3>
       <a:accent4>
-        <a:srgbClr val="0F9ED5"/>
+        <a:srgbClr val="0f9ed5"/>
       </a:accent4>
       <a:accent5>
-        <a:srgbClr val="A02B93"/>
+        <a:srgbClr val="a02b93"/>
       </a:accent5>
       <a:accent6>
-        <a:srgbClr val="4EA72E"/>
+        <a:srgbClr val="4ea72e"/>
       </a:accent6>
       <a:hlink>
         <a:srgbClr val="467886"/>
       </a:hlink>
       <a:folHlink>
-        <a:srgbClr val="96607D"/>
+        <a:srgbClr val="96607d"/>
       </a:folHlink>
     </a:clrScheme>
     <a:fontScheme name="Office">
@@ -7723,7 +10152,7 @@
         <a:latin typeface="맑은 고딕" panose="02110004020202020204"/>
         <a:ea typeface=""/>
         <a:cs typeface=""/>
-        <a:font script="Jpan" typeface="游ゴシック Light"/>
+        <a:font script="Jpan" typeface="Yu Gothic Light"/>
         <a:font script="Hang" typeface="맑은 고딕"/>
         <a:font script="Hans" typeface="等线 Light"/>
         <a:font script="Hant" typeface="新細明體"/>
@@ -7775,7 +10204,7 @@
         <a:latin typeface="맑은 고딕" panose="02110004020202020204"/>
         <a:ea typeface=""/>
         <a:cs typeface=""/>
-        <a:font script="Jpan" typeface="游ゴシック"/>
+        <a:font script="Jpan" typeface="Yu Gothic"/>
         <a:font script="Hang" typeface="맑은 고딕"/>
         <a:font script="Hans" typeface="等线"/>
         <a:font script="Hant" typeface="新細明體"/>
@@ -7888,21 +10317,21 @@
             <a:schemeClr val="phClr"/>
           </a:solidFill>
           <a:prstDash val="solid"/>
-          <a:miter lim="800000"/>
+          <a:miter/>
         </a:ln>
         <a:ln w="19050" cap="flat" cmpd="sng" algn="ctr">
           <a:solidFill>
             <a:schemeClr val="phClr"/>
           </a:solidFill>
           <a:prstDash val="solid"/>
-          <a:miter lim="800000"/>
+          <a:miter/>
         </a:ln>
         <a:ln w="25400" cap="flat" cmpd="sng" algn="ctr">
           <a:solidFill>
             <a:schemeClr val="phClr"/>
           </a:solidFill>
           <a:prstDash val="solid"/>
-          <a:miter lim="800000"/>
+          <a:miter/>
         </a:ln>
       </a:lnStyleLst>
       <a:effectStyleLst>
@@ -7963,6 +10392,27 @@
     </a:fmtScheme>
   </a:themeElements>
   <a:objectDefaults>
+    <a:spDef>
+      <a:spPr/>
+      <a:bodyPr/>
+      <a:lstStyle/>
+      <a:style>
+        <a:lnRef idx="2">
+          <a:schemeClr val="accent1">
+            <a:shade val="20000"/>
+          </a:schemeClr>
+        </a:lnRef>
+        <a:fillRef idx="1">
+          <a:schemeClr val="accent1"/>
+        </a:fillRef>
+        <a:effectRef idx="0">
+          <a:schemeClr val="accent1"/>
+        </a:effectRef>
+        <a:fontRef idx="minor">
+          <a:schemeClr val="lt1"/>
+        </a:fontRef>
+      </a:style>
+    </a:spDef>
     <a:lnDef>
       <a:spPr/>
       <a:bodyPr/>
@@ -7982,55 +10432,54 @@
         </a:fontRef>
       </a:style>
     </a:lnDef>
+    <a:txDef>
+      <a:spPr/>
+      <a:bodyPr/>
+      <a:lstStyle/>
+    </a:txDef>
   </a:objectDefaults>
-  <a:extraClrSchemeLst/>
-  <a:extLst>
-    <a:ext uri="{05A4C25C-085E-4340-85A3-A5531E510DB2}">
-      <thm15:themeFamily xmlns:thm15="http://schemas.microsoft.com/office/thememl/2012/main" name="Office Theme" id="{2E142A2C-CD16-42D6-873A-C26D2A0506FA}" vid="{1BDDFF52-6CD6-40A5-AB3C-68EB2F1E4D0A}"/>
-    </a:ext>
-  </a:extLst>
 </a:theme>
 </file>
 
 <file path=ppt/theme/theme2.xml><?xml version="1.0" encoding="utf-8"?>
-<a:theme xmlns:a="http://schemas.openxmlformats.org/drawingml/2006/main" name="Office 테마">
+<a:theme xmlns:r="http://schemas.openxmlformats.org/officeDocument/2006/relationships" xmlns:c="http://schemas.openxmlformats.org/drawingml/2006/chart" xmlns:dgm="http://schemas.openxmlformats.org/drawingml/2006/diagram" xmlns:dsp="http://schemas.microsoft.com/office/drawing/2008/diagram" xmlns:a="http://schemas.openxmlformats.org/drawingml/2006/main" xmlns:pic="http://schemas.openxmlformats.org/drawingml/2006/picture" xmlns:wp="http://schemas.openxmlformats.org/drawingml/2006/wordprocessingDrawing" xmlns:xdr="http://schemas.openxmlformats.org/drawingml/2006/spreadsheetDrawing" xmlns:lc="http://schemas.openxmlformats.org/drawingml/2006/lockedCanvas" xmlns:p="http://schemas.openxmlformats.org/presentationml/2006/main" name="Office 테마">
   <a:themeElements>
     <a:clrScheme name="Office">
       <a:dk1>
         <a:sysClr val="windowText" lastClr="000000"/>
       </a:dk1>
       <a:lt1>
-        <a:sysClr val="window" lastClr="FFFFFF"/>
+        <a:sysClr val="window" lastClr="ffffff"/>
       </a:lt1>
       <a:dk2>
-        <a:srgbClr val="0E2841"/>
+        <a:srgbClr val="0e2841"/>
       </a:dk2>
       <a:lt2>
-        <a:srgbClr val="E8E8E8"/>
+        <a:srgbClr val="e8e8e8"/>
       </a:lt2>
       <a:accent1>
         <a:srgbClr val="156082"/>
       </a:accent1>
       <a:accent2>
-        <a:srgbClr val="E97132"/>
+        <a:srgbClr val="e97132"/>
       </a:accent2>
       <a:accent3>
-        <a:srgbClr val="196B24"/>
+        <a:srgbClr val="196b24"/>
       </a:accent3>
       <a:accent4>
-        <a:srgbClr val="0F9ED5"/>
+        <a:srgbClr val="0f9ed5"/>
       </a:accent4>
       <a:accent5>
-        <a:srgbClr val="A02B93"/>
+        <a:srgbClr val="a02b93"/>
       </a:accent5>
       <a:accent6>
-        <a:srgbClr val="4EA72E"/>
+        <a:srgbClr val="4ea72e"/>
       </a:accent6>
       <a:hlink>
         <a:srgbClr val="467886"/>
       </a:hlink>
       <a:folHlink>
-        <a:srgbClr val="96607D"/>
+        <a:srgbClr val="96607d"/>
       </a:folHlink>
     </a:clrScheme>
     <a:fontScheme name="Office">
@@ -8038,7 +10487,7 @@
         <a:latin typeface="맑은 고딕" panose="02110004020202020204"/>
         <a:ea typeface=""/>
         <a:cs typeface=""/>
-        <a:font script="Jpan" typeface="游ゴシック Light"/>
+        <a:font script="Jpan" typeface="Yu Gothic Light"/>
         <a:font script="Hang" typeface="맑은 고딕"/>
         <a:font script="Hans" typeface="等线 Light"/>
         <a:font script="Hant" typeface="新細明體"/>
@@ -8090,7 +10539,7 @@
         <a:latin typeface="맑은 고딕" panose="02110004020202020204"/>
         <a:ea typeface=""/>
         <a:cs typeface=""/>
-        <a:font script="Jpan" typeface="游ゴシック"/>
+        <a:font script="Jpan" typeface="Yu Gothic"/>
         <a:font script="Hang" typeface="맑은 고딕"/>
         <a:font script="Hans" typeface="等线"/>
         <a:font script="Hant" typeface="新細明體"/>
@@ -8203,21 +10652,21 @@
             <a:schemeClr val="phClr"/>
           </a:solidFill>
           <a:prstDash val="solid"/>
-          <a:miter lim="800000"/>
+          <a:miter/>
         </a:ln>
         <a:ln w="19050" cap="flat" cmpd="sng" algn="ctr">
           <a:solidFill>
             <a:schemeClr val="phClr"/>
           </a:solidFill>
           <a:prstDash val="solid"/>
-          <a:miter lim="800000"/>
+          <a:miter/>
         </a:ln>
         <a:ln w="25400" cap="flat" cmpd="sng" algn="ctr">
           <a:solidFill>
             <a:schemeClr val="phClr"/>
           </a:solidFill>
           <a:prstDash val="solid"/>
-          <a:miter lim="800000"/>
+          <a:miter/>
         </a:ln>
       </a:lnStyleLst>
       <a:effectStyleLst>
@@ -8278,6 +10727,27 @@
     </a:fmtScheme>
   </a:themeElements>
   <a:objectDefaults>
+    <a:spDef>
+      <a:spPr/>
+      <a:bodyPr/>
+      <a:lstStyle/>
+      <a:style>
+        <a:lnRef idx="2">
+          <a:schemeClr val="accent1">
+            <a:shade val="20000"/>
+          </a:schemeClr>
+        </a:lnRef>
+        <a:fillRef idx="1">
+          <a:schemeClr val="accent1"/>
+        </a:fillRef>
+        <a:effectRef idx="0">
+          <a:schemeClr val="accent1"/>
+        </a:effectRef>
+        <a:fontRef idx="minor">
+          <a:schemeClr val="lt1"/>
+        </a:fontRef>
+      </a:style>
+    </a:spDef>
     <a:lnDef>
       <a:spPr/>
       <a:bodyPr/>
@@ -8297,12 +10767,11 @@
         </a:fontRef>
       </a:style>
     </a:lnDef>
+    <a:txDef>
+      <a:spPr/>
+      <a:bodyPr/>
+      <a:lstStyle/>
+    </a:txDef>
   </a:objectDefaults>
-  <a:extraClrSchemeLst/>
-  <a:extLst>
-    <a:ext uri="{05A4C25C-085E-4340-85A3-A5531E510DB2}">
-      <thm15:themeFamily xmlns:thm15="http://schemas.microsoft.com/office/thememl/2012/main" name="Office Theme" id="{2E142A2C-CD16-42D6-873A-C26D2A0506FA}" vid="{1BDDFF52-6CD6-40A5-AB3C-68EB2F1E4D0A}"/>
-    </a:ext>
-  </a:extLst>
 </a:theme>
 </file>